--- a/OpenStack-to-Kubernetes-Mindset-Shift.pptx
+++ b/OpenStack-to-Kubernetes-Mindset-Shift.pptx
@@ -5,18 +5,19 @@
     <p:sldMasterId id="2147483648" r:id="rId1"/>
   </p:sldMasterIdLst>
   <p:sldIdLst>
-    <p:sldId id="256" r:id="rId7"/>
-    <p:sldId id="257" r:id="rId8"/>
-    <p:sldId id="258" r:id="rId9"/>
-    <p:sldId id="259" r:id="rId10"/>
-    <p:sldId id="260" r:id="rId11"/>
-    <p:sldId id="261" r:id="rId12"/>
-    <p:sldId id="262" r:id="rId13"/>
-    <p:sldId id="263" r:id="rId14"/>
-    <p:sldId id="264" r:id="rId15"/>
-    <p:sldId id="265" r:id="rId16"/>
+    <p:sldId id="256" r:id="rId2"/>
+    <p:sldId id="266" r:id="rId3"/>
+    <p:sldId id="257" r:id="rId4"/>
+    <p:sldId id="258" r:id="rId5"/>
+    <p:sldId id="259" r:id="rId6"/>
+    <p:sldId id="260" r:id="rId7"/>
+    <p:sldId id="261" r:id="rId8"/>
+    <p:sldId id="262" r:id="rId9"/>
+    <p:sldId id="263" r:id="rId10"/>
+    <p:sldId id="264" r:id="rId11"/>
+    <p:sldId id="265" r:id="rId12"/>
   </p:sldIdLst>
-  <p:sldSz cx="12191695" cy="6858000" type="screen4x3"/>
+  <p:sldSz cx="12192000" cy="6858000"/>
   <p:notesSz cx="6858000" cy="9144000"/>
   <p:defaultTextStyle>
     <a:defPPr>
@@ -113,6 +114,22 @@
       </a:defRPr>
     </a:lvl9pPr>
   </p:defaultTextStyle>
+  <p:extLst>
+    <p:ext uri="{EFAFB233-063F-42B5-8137-9DF3F51BA10A}">
+      <p15:sldGuideLst xmlns:p15="http://schemas.microsoft.com/office/powerpoint/2012/main">
+        <p15:guide id="1" orient="horz" pos="2160">
+          <p15:clr>
+            <a:srgbClr val="A4A3A4"/>
+          </p15:clr>
+        </p15:guide>
+        <p15:guide id="2" pos="2880">
+          <p15:clr>
+            <a:srgbClr val="A4A3A4"/>
+          </p15:clr>
+        </p15:guide>
+      </p15:sldGuideLst>
+    </p:ext>
+  </p:extLst>
 </p:presentation>
 </file>
 
@@ -154,10 +171,9 @@
           <a:lstStyle/>
           <a:p>
             <a:r>
-              <a:rPr lang="en-US" smtClean="0"/>
+              <a:rPr lang="en-US"/>
               <a:t>Click to edit Master title style</a:t>
             </a:r>
-            <a:endParaRPr lang="en-US"/>
           </a:p>
         </p:txBody>
       </p:sp>
@@ -273,10 +289,9 @@
           </a:lstStyle>
           <a:p>
             <a:r>
-              <a:rPr lang="en-US" smtClean="0"/>
+              <a:rPr lang="en-US"/>
               <a:t>Click to edit Master subtitle style</a:t>
             </a:r>
-            <a:endParaRPr lang="en-US"/>
           </a:p>
         </p:txBody>
       </p:sp>
@@ -297,7 +312,7 @@
           <a:p>
             <a:fld id="{5BCAD085-E8A6-8845-BD4E-CB4CCA059FC4}" type="datetimeFigureOut">
               <a:rPr lang="en-US" smtClean="0"/>
-              <a:t>1/27/13</a:t>
+              <a:t>2/22/26</a:t>
             </a:fld>
             <a:endParaRPr lang="en-US"/>
           </a:p>
@@ -391,10 +406,9 @@
           <a:lstStyle/>
           <a:p>
             <a:r>
-              <a:rPr lang="en-US" smtClean="0"/>
+              <a:rPr lang="en-US"/>
               <a:t>Click to edit Master title style</a:t>
             </a:r>
-            <a:endParaRPr lang="en-US"/>
           </a:p>
         </p:txBody>
       </p:sp>
@@ -415,38 +429,37 @@
           <a:p>
             <a:pPr lvl="0"/>
             <a:r>
-              <a:rPr lang="en-US" smtClean="0"/>
+              <a:rPr lang="en-US"/>
               <a:t>Click to edit Master text styles</a:t>
             </a:r>
           </a:p>
           <a:p>
             <a:pPr lvl="1"/>
             <a:r>
-              <a:rPr lang="en-US" smtClean="0"/>
+              <a:rPr lang="en-US"/>
               <a:t>Second level</a:t>
             </a:r>
           </a:p>
           <a:p>
             <a:pPr lvl="2"/>
             <a:r>
-              <a:rPr lang="en-US" smtClean="0"/>
+              <a:rPr lang="en-US"/>
               <a:t>Third level</a:t>
             </a:r>
           </a:p>
           <a:p>
             <a:pPr lvl="3"/>
             <a:r>
-              <a:rPr lang="en-US" smtClean="0"/>
+              <a:rPr lang="en-US"/>
               <a:t>Fourth level</a:t>
             </a:r>
           </a:p>
           <a:p>
             <a:pPr lvl="4"/>
             <a:r>
-              <a:rPr lang="en-US" smtClean="0"/>
+              <a:rPr lang="en-US"/>
               <a:t>Fifth level</a:t>
             </a:r>
-            <a:endParaRPr lang="en-US"/>
           </a:p>
         </p:txBody>
       </p:sp>
@@ -467,7 +480,7 @@
           <a:p>
             <a:fld id="{5BCAD085-E8A6-8845-BD4E-CB4CCA059FC4}" type="datetimeFigureOut">
               <a:rPr lang="en-US" smtClean="0"/>
-              <a:t>1/27/13</a:t>
+              <a:t>2/22/26</a:t>
             </a:fld>
             <a:endParaRPr lang="en-US"/>
           </a:p>
@@ -566,10 +579,9 @@
           <a:lstStyle/>
           <a:p>
             <a:r>
-              <a:rPr lang="en-US" smtClean="0"/>
+              <a:rPr lang="en-US"/>
               <a:t>Click to edit Master title style</a:t>
             </a:r>
-            <a:endParaRPr lang="en-US"/>
           </a:p>
         </p:txBody>
       </p:sp>
@@ -595,38 +607,37 @@
           <a:p>
             <a:pPr lvl="0"/>
             <a:r>
-              <a:rPr lang="en-US" smtClean="0"/>
+              <a:rPr lang="en-US"/>
               <a:t>Click to edit Master text styles</a:t>
             </a:r>
           </a:p>
           <a:p>
             <a:pPr lvl="1"/>
             <a:r>
-              <a:rPr lang="en-US" smtClean="0"/>
+              <a:rPr lang="en-US"/>
               <a:t>Second level</a:t>
             </a:r>
           </a:p>
           <a:p>
             <a:pPr lvl="2"/>
             <a:r>
-              <a:rPr lang="en-US" smtClean="0"/>
+              <a:rPr lang="en-US"/>
               <a:t>Third level</a:t>
             </a:r>
           </a:p>
           <a:p>
             <a:pPr lvl="3"/>
             <a:r>
-              <a:rPr lang="en-US" smtClean="0"/>
+              <a:rPr lang="en-US"/>
               <a:t>Fourth level</a:t>
             </a:r>
           </a:p>
           <a:p>
             <a:pPr lvl="4"/>
             <a:r>
-              <a:rPr lang="en-US" smtClean="0"/>
+              <a:rPr lang="en-US"/>
               <a:t>Fifth level</a:t>
             </a:r>
-            <a:endParaRPr lang="en-US"/>
           </a:p>
         </p:txBody>
       </p:sp>
@@ -647,7 +658,7 @@
           <a:p>
             <a:fld id="{5BCAD085-E8A6-8845-BD4E-CB4CCA059FC4}" type="datetimeFigureOut">
               <a:rPr lang="en-US" smtClean="0"/>
-              <a:t>1/27/13</a:t>
+              <a:t>2/22/26</a:t>
             </a:fld>
             <a:endParaRPr lang="en-US"/>
           </a:p>
@@ -741,10 +752,9 @@
           <a:lstStyle/>
           <a:p>
             <a:r>
-              <a:rPr lang="en-US" smtClean="0"/>
+              <a:rPr lang="en-US"/>
               <a:t>Click to edit Master title style</a:t>
             </a:r>
-            <a:endParaRPr lang="en-US"/>
           </a:p>
         </p:txBody>
       </p:sp>
@@ -765,38 +775,37 @@
           <a:p>
             <a:pPr lvl="0"/>
             <a:r>
-              <a:rPr lang="en-US" smtClean="0"/>
+              <a:rPr lang="en-US"/>
               <a:t>Click to edit Master text styles</a:t>
             </a:r>
           </a:p>
           <a:p>
             <a:pPr lvl="1"/>
             <a:r>
-              <a:rPr lang="en-US" smtClean="0"/>
+              <a:rPr lang="en-US"/>
               <a:t>Second level</a:t>
             </a:r>
           </a:p>
           <a:p>
             <a:pPr lvl="2"/>
             <a:r>
-              <a:rPr lang="en-US" smtClean="0"/>
+              <a:rPr lang="en-US"/>
               <a:t>Third level</a:t>
             </a:r>
           </a:p>
           <a:p>
             <a:pPr lvl="3"/>
             <a:r>
-              <a:rPr lang="en-US" smtClean="0"/>
+              <a:rPr lang="en-US"/>
               <a:t>Fourth level</a:t>
             </a:r>
           </a:p>
           <a:p>
             <a:pPr lvl="4"/>
             <a:r>
-              <a:rPr lang="en-US" smtClean="0"/>
+              <a:rPr lang="en-US"/>
               <a:t>Fifth level</a:t>
             </a:r>
-            <a:endParaRPr lang="en-US"/>
           </a:p>
         </p:txBody>
       </p:sp>
@@ -817,7 +826,7 @@
           <a:p>
             <a:fld id="{5BCAD085-E8A6-8845-BD4E-CB4CCA059FC4}" type="datetimeFigureOut">
               <a:rPr lang="en-US" smtClean="0"/>
-              <a:t>1/27/13</a:t>
+              <a:t>2/22/26</a:t>
             </a:fld>
             <a:endParaRPr lang="en-US"/>
           </a:p>
@@ -920,10 +929,9 @@
           </a:lstStyle>
           <a:p>
             <a:r>
-              <a:rPr lang="en-US" smtClean="0"/>
+              <a:rPr lang="en-US"/>
               <a:t>Click to edit Master title style</a:t>
             </a:r>
-            <a:endParaRPr lang="en-US"/>
           </a:p>
         </p:txBody>
       </p:sp>
@@ -1040,7 +1048,7 @@
           <a:p>
             <a:pPr lvl="0"/>
             <a:r>
-              <a:rPr lang="en-US" smtClean="0"/>
+              <a:rPr lang="en-US"/>
               <a:t>Click to edit Master text styles</a:t>
             </a:r>
           </a:p>
@@ -1063,7 +1071,7 @@
           <a:p>
             <a:fld id="{5BCAD085-E8A6-8845-BD4E-CB4CCA059FC4}" type="datetimeFigureOut">
               <a:rPr lang="en-US" smtClean="0"/>
-              <a:t>1/27/13</a:t>
+              <a:t>2/22/26</a:t>
             </a:fld>
             <a:endParaRPr lang="en-US"/>
           </a:p>
@@ -1157,10 +1165,9 @@
           <a:lstStyle/>
           <a:p>
             <a:r>
-              <a:rPr lang="en-US" smtClean="0"/>
+              <a:rPr lang="en-US"/>
               <a:t>Click to edit Master title style</a:t>
             </a:r>
-            <a:endParaRPr lang="en-US"/>
           </a:p>
         </p:txBody>
       </p:sp>
@@ -1214,38 +1221,37 @@
           <a:p>
             <a:pPr lvl="0"/>
             <a:r>
-              <a:rPr lang="en-US" smtClean="0"/>
+              <a:rPr lang="en-US"/>
               <a:t>Click to edit Master text styles</a:t>
             </a:r>
           </a:p>
           <a:p>
             <a:pPr lvl="1"/>
             <a:r>
-              <a:rPr lang="en-US" smtClean="0"/>
+              <a:rPr lang="en-US"/>
               <a:t>Second level</a:t>
             </a:r>
           </a:p>
           <a:p>
             <a:pPr lvl="2"/>
             <a:r>
-              <a:rPr lang="en-US" smtClean="0"/>
+              <a:rPr lang="en-US"/>
               <a:t>Third level</a:t>
             </a:r>
           </a:p>
           <a:p>
             <a:pPr lvl="3"/>
             <a:r>
-              <a:rPr lang="en-US" smtClean="0"/>
+              <a:rPr lang="en-US"/>
               <a:t>Fourth level</a:t>
             </a:r>
           </a:p>
           <a:p>
             <a:pPr lvl="4"/>
             <a:r>
-              <a:rPr lang="en-US" smtClean="0"/>
+              <a:rPr lang="en-US"/>
               <a:t>Fifth level</a:t>
             </a:r>
-            <a:endParaRPr lang="en-US"/>
           </a:p>
         </p:txBody>
       </p:sp>
@@ -1299,38 +1305,37 @@
           <a:p>
             <a:pPr lvl="0"/>
             <a:r>
-              <a:rPr lang="en-US" smtClean="0"/>
+              <a:rPr lang="en-US"/>
               <a:t>Click to edit Master text styles</a:t>
             </a:r>
           </a:p>
           <a:p>
             <a:pPr lvl="1"/>
             <a:r>
-              <a:rPr lang="en-US" smtClean="0"/>
+              <a:rPr lang="en-US"/>
               <a:t>Second level</a:t>
             </a:r>
           </a:p>
           <a:p>
             <a:pPr lvl="2"/>
             <a:r>
-              <a:rPr lang="en-US" smtClean="0"/>
+              <a:rPr lang="en-US"/>
               <a:t>Third level</a:t>
             </a:r>
           </a:p>
           <a:p>
             <a:pPr lvl="3"/>
             <a:r>
-              <a:rPr lang="en-US" smtClean="0"/>
+              <a:rPr lang="en-US"/>
               <a:t>Fourth level</a:t>
             </a:r>
           </a:p>
           <a:p>
             <a:pPr lvl="4"/>
             <a:r>
-              <a:rPr lang="en-US" smtClean="0"/>
+              <a:rPr lang="en-US"/>
               <a:t>Fifth level</a:t>
             </a:r>
-            <a:endParaRPr lang="en-US"/>
           </a:p>
         </p:txBody>
       </p:sp>
@@ -1351,7 +1356,7 @@
           <a:p>
             <a:fld id="{5BCAD085-E8A6-8845-BD4E-CB4CCA059FC4}" type="datetimeFigureOut">
               <a:rPr lang="en-US" smtClean="0"/>
-              <a:t>1/27/13</a:t>
+              <a:t>2/22/26</a:t>
             </a:fld>
             <a:endParaRPr lang="en-US"/>
           </a:p>
@@ -1449,10 +1454,9 @@
           </a:lstStyle>
           <a:p>
             <a:r>
-              <a:rPr lang="en-US" smtClean="0"/>
+              <a:rPr lang="en-US"/>
               <a:t>Click to edit Master title style</a:t>
             </a:r>
-            <a:endParaRPr lang="en-US"/>
           </a:p>
         </p:txBody>
       </p:sp>
@@ -1515,7 +1519,7 @@
           <a:p>
             <a:pPr lvl="0"/>
             <a:r>
-              <a:rPr lang="en-US" smtClean="0"/>
+              <a:rPr lang="en-US"/>
               <a:t>Click to edit Master text styles</a:t>
             </a:r>
           </a:p>
@@ -1571,38 +1575,37 @@
           <a:p>
             <a:pPr lvl="0"/>
             <a:r>
-              <a:rPr lang="en-US" smtClean="0"/>
+              <a:rPr lang="en-US"/>
               <a:t>Click to edit Master text styles</a:t>
             </a:r>
           </a:p>
           <a:p>
             <a:pPr lvl="1"/>
             <a:r>
-              <a:rPr lang="en-US" smtClean="0"/>
+              <a:rPr lang="en-US"/>
               <a:t>Second level</a:t>
             </a:r>
           </a:p>
           <a:p>
             <a:pPr lvl="2"/>
             <a:r>
-              <a:rPr lang="en-US" smtClean="0"/>
+              <a:rPr lang="en-US"/>
               <a:t>Third level</a:t>
             </a:r>
           </a:p>
           <a:p>
             <a:pPr lvl="3"/>
             <a:r>
-              <a:rPr lang="en-US" smtClean="0"/>
+              <a:rPr lang="en-US"/>
               <a:t>Fourth level</a:t>
             </a:r>
           </a:p>
           <a:p>
             <a:pPr lvl="4"/>
             <a:r>
-              <a:rPr lang="en-US" smtClean="0"/>
+              <a:rPr lang="en-US"/>
               <a:t>Fifth level</a:t>
             </a:r>
-            <a:endParaRPr lang="en-US"/>
           </a:p>
         </p:txBody>
       </p:sp>
@@ -1665,7 +1668,7 @@
           <a:p>
             <a:pPr lvl="0"/>
             <a:r>
-              <a:rPr lang="en-US" smtClean="0"/>
+              <a:rPr lang="en-US"/>
               <a:t>Click to edit Master text styles</a:t>
             </a:r>
           </a:p>
@@ -1721,38 +1724,37 @@
           <a:p>
             <a:pPr lvl="0"/>
             <a:r>
-              <a:rPr lang="en-US" smtClean="0"/>
+              <a:rPr lang="en-US"/>
               <a:t>Click to edit Master text styles</a:t>
             </a:r>
           </a:p>
           <a:p>
             <a:pPr lvl="1"/>
             <a:r>
-              <a:rPr lang="en-US" smtClean="0"/>
+              <a:rPr lang="en-US"/>
               <a:t>Second level</a:t>
             </a:r>
           </a:p>
           <a:p>
             <a:pPr lvl="2"/>
             <a:r>
-              <a:rPr lang="en-US" smtClean="0"/>
+              <a:rPr lang="en-US"/>
               <a:t>Third level</a:t>
             </a:r>
           </a:p>
           <a:p>
             <a:pPr lvl="3"/>
             <a:r>
-              <a:rPr lang="en-US" smtClean="0"/>
+              <a:rPr lang="en-US"/>
               <a:t>Fourth level</a:t>
             </a:r>
           </a:p>
           <a:p>
             <a:pPr lvl="4"/>
             <a:r>
-              <a:rPr lang="en-US" smtClean="0"/>
+              <a:rPr lang="en-US"/>
               <a:t>Fifth level</a:t>
             </a:r>
-            <a:endParaRPr lang="en-US"/>
           </a:p>
         </p:txBody>
       </p:sp>
@@ -1773,7 +1775,7 @@
           <a:p>
             <a:fld id="{5BCAD085-E8A6-8845-BD4E-CB4CCA059FC4}" type="datetimeFigureOut">
               <a:rPr lang="en-US" smtClean="0"/>
-              <a:t>1/27/13</a:t>
+              <a:t>2/22/26</a:t>
             </a:fld>
             <a:endParaRPr lang="en-US"/>
           </a:p>
@@ -1867,10 +1869,9 @@
           <a:lstStyle/>
           <a:p>
             <a:r>
-              <a:rPr lang="en-US" smtClean="0"/>
+              <a:rPr lang="en-US"/>
               <a:t>Click to edit Master title style</a:t>
             </a:r>
-            <a:endParaRPr lang="en-US"/>
           </a:p>
         </p:txBody>
       </p:sp>
@@ -1891,7 +1892,7 @@
           <a:p>
             <a:fld id="{5BCAD085-E8A6-8845-BD4E-CB4CCA059FC4}" type="datetimeFigureOut">
               <a:rPr lang="en-US" smtClean="0"/>
-              <a:t>1/27/13</a:t>
+              <a:t>2/22/26</a:t>
             </a:fld>
             <a:endParaRPr lang="en-US"/>
           </a:p>
@@ -1986,7 +1987,7 @@
           <a:p>
             <a:fld id="{5BCAD085-E8A6-8845-BD4E-CB4CCA059FC4}" type="datetimeFigureOut">
               <a:rPr lang="en-US" smtClean="0"/>
-              <a:t>1/27/13</a:t>
+              <a:t>2/22/26</a:t>
             </a:fld>
             <a:endParaRPr lang="en-US"/>
           </a:p>
@@ -2089,10 +2090,9 @@
           </a:lstStyle>
           <a:p>
             <a:r>
-              <a:rPr lang="en-US" smtClean="0"/>
+              <a:rPr lang="en-US"/>
               <a:t>Click to edit Master title style</a:t>
             </a:r>
-            <a:endParaRPr lang="en-US"/>
           </a:p>
         </p:txBody>
       </p:sp>
@@ -2146,38 +2146,37 @@
           <a:p>
             <a:pPr lvl="0"/>
             <a:r>
-              <a:rPr lang="en-US" smtClean="0"/>
+              <a:rPr lang="en-US"/>
               <a:t>Click to edit Master text styles</a:t>
             </a:r>
           </a:p>
           <a:p>
             <a:pPr lvl="1"/>
             <a:r>
-              <a:rPr lang="en-US" smtClean="0"/>
+              <a:rPr lang="en-US"/>
               <a:t>Second level</a:t>
             </a:r>
           </a:p>
           <a:p>
             <a:pPr lvl="2"/>
             <a:r>
-              <a:rPr lang="en-US" smtClean="0"/>
+              <a:rPr lang="en-US"/>
               <a:t>Third level</a:t>
             </a:r>
           </a:p>
           <a:p>
             <a:pPr lvl="3"/>
             <a:r>
-              <a:rPr lang="en-US" smtClean="0"/>
+              <a:rPr lang="en-US"/>
               <a:t>Fourth level</a:t>
             </a:r>
           </a:p>
           <a:p>
             <a:pPr lvl="4"/>
             <a:r>
-              <a:rPr lang="en-US" smtClean="0"/>
+              <a:rPr lang="en-US"/>
               <a:t>Fifth level</a:t>
             </a:r>
-            <a:endParaRPr lang="en-US"/>
           </a:p>
         </p:txBody>
       </p:sp>
@@ -2240,7 +2239,7 @@
           <a:p>
             <a:pPr lvl="0"/>
             <a:r>
-              <a:rPr lang="en-US" smtClean="0"/>
+              <a:rPr lang="en-US"/>
               <a:t>Click to edit Master text styles</a:t>
             </a:r>
           </a:p>
@@ -2263,7 +2262,7 @@
           <a:p>
             <a:fld id="{5BCAD085-E8A6-8845-BD4E-CB4CCA059FC4}" type="datetimeFigureOut">
               <a:rPr lang="en-US" smtClean="0"/>
-              <a:t>1/27/13</a:t>
+              <a:t>2/22/26</a:t>
             </a:fld>
             <a:endParaRPr lang="en-US"/>
           </a:p>
@@ -2366,10 +2365,9 @@
           </a:lstStyle>
           <a:p>
             <a:r>
-              <a:rPr lang="en-US" smtClean="0"/>
+              <a:rPr lang="en-US"/>
               <a:t>Click to edit Master title style</a:t>
             </a:r>
-            <a:endParaRPr lang="en-US"/>
           </a:p>
         </p:txBody>
       </p:sp>
@@ -2493,7 +2491,7 @@
           <a:p>
             <a:pPr lvl="0"/>
             <a:r>
-              <a:rPr lang="en-US" smtClean="0"/>
+              <a:rPr lang="en-US"/>
               <a:t>Click to edit Master text styles</a:t>
             </a:r>
           </a:p>
@@ -2516,7 +2514,7 @@
           <a:p>
             <a:fld id="{5BCAD085-E8A6-8845-BD4E-CB4CCA059FC4}" type="datetimeFigureOut">
               <a:rPr lang="en-US" smtClean="0"/>
-              <a:t>1/27/13</a:t>
+              <a:t>2/22/26</a:t>
             </a:fld>
             <a:endParaRPr lang="en-US"/>
           </a:p>
@@ -2625,10 +2623,9 @@
           <a:lstStyle/>
           <a:p>
             <a:r>
-              <a:rPr lang="en-US" smtClean="0"/>
+              <a:rPr lang="en-US"/>
               <a:t>Click to edit Master title style</a:t>
             </a:r>
-            <a:endParaRPr lang="en-US"/>
           </a:p>
         </p:txBody>
       </p:sp>
@@ -2659,38 +2656,37 @@
           <a:p>
             <a:pPr lvl="0"/>
             <a:r>
-              <a:rPr lang="en-US" smtClean="0"/>
+              <a:rPr lang="en-US"/>
               <a:t>Click to edit Master text styles</a:t>
             </a:r>
           </a:p>
           <a:p>
             <a:pPr lvl="1"/>
             <a:r>
-              <a:rPr lang="en-US" smtClean="0"/>
+              <a:rPr lang="en-US"/>
               <a:t>Second level</a:t>
             </a:r>
           </a:p>
           <a:p>
             <a:pPr lvl="2"/>
             <a:r>
-              <a:rPr lang="en-US" smtClean="0"/>
+              <a:rPr lang="en-US"/>
               <a:t>Third level</a:t>
             </a:r>
           </a:p>
           <a:p>
             <a:pPr lvl="3"/>
             <a:r>
-              <a:rPr lang="en-US" smtClean="0"/>
+              <a:rPr lang="en-US"/>
               <a:t>Fourth level</a:t>
             </a:r>
           </a:p>
           <a:p>
             <a:pPr lvl="4"/>
             <a:r>
-              <a:rPr lang="en-US" smtClean="0"/>
+              <a:rPr lang="en-US"/>
               <a:t>Fifth level</a:t>
             </a:r>
-            <a:endParaRPr lang="en-US"/>
           </a:p>
         </p:txBody>
       </p:sp>
@@ -2729,7 +2725,7 @@
           <a:p>
             <a:fld id="{5BCAD085-E8A6-8845-BD4E-CB4CCA059FC4}" type="datetimeFigureOut">
               <a:rPr lang="en-US" smtClean="0"/>
-              <a:t>1/27/13</a:t>
+              <a:t>2/22/26</a:t>
             </a:fld>
             <a:endParaRPr lang="en-US"/>
           </a:p>
@@ -3088,7 +3084,7 @@
 </file>
 
 <file path=ppt/slides/slide1.xml><?xml version="1.0" encoding="utf-8"?>
-<p:sld xmlns:a="http://schemas.openxmlformats.org/drawingml/2006/main" xmlns:p="http://schemas.openxmlformats.org/presentationml/2006/main" xmlns:r="http://schemas.openxmlformats.org/officeDocument/2006/relationships">
+<p:sld xmlns:a="http://schemas.openxmlformats.org/drawingml/2006/main" xmlns:r="http://schemas.openxmlformats.org/officeDocument/2006/relationships" xmlns:p="http://schemas.openxmlformats.org/presentationml/2006/main" show="0">
   <p:cSld>
     <p:spTree>
       <p:nvGrpSpPr>
@@ -3096,7 +3092,14 @@
         <p:cNvGrpSpPr/>
         <p:nvPr/>
       </p:nvGrpSpPr>
-      <p:grpSpPr/>
+      <p:grpSpPr>
+        <a:xfrm>
+          <a:off x="0" y="0"/>
+          <a:ext cx="0" cy="0"/>
+          <a:chOff x="0" y="0"/>
+          <a:chExt cx="0" cy="0"/>
+        </a:xfrm>
+      </p:grpSpPr>
       <p:sp>
         <p:nvSpPr>
           <p:cNvPr id="2" name="Rectangle 1"/>
@@ -3137,6 +3140,7 @@
           <a:lstStyle/>
           <a:p>
             <a:pPr algn="ctr"/>
+            <a:endParaRPr/>
           </a:p>
         </p:txBody>
       </p:sp>
@@ -3180,6 +3184,7 @@
           <a:lstStyle/>
           <a:p>
             <a:pPr algn="ctr"/>
+            <a:endParaRPr/>
           </a:p>
         </p:txBody>
       </p:sp>
@@ -3333,7 +3338,7 @@
 </file>
 
 <file path=ppt/slides/slide10.xml><?xml version="1.0" encoding="utf-8"?>
-<p:sld xmlns:a="http://schemas.openxmlformats.org/drawingml/2006/main" xmlns:p="http://schemas.openxmlformats.org/presentationml/2006/main" xmlns:r="http://schemas.openxmlformats.org/officeDocument/2006/relationships">
+<p:sld xmlns:a="http://schemas.openxmlformats.org/drawingml/2006/main" xmlns:r="http://schemas.openxmlformats.org/officeDocument/2006/relationships" xmlns:p="http://schemas.openxmlformats.org/presentationml/2006/main">
   <p:cSld>
     <p:spTree>
       <p:nvGrpSpPr>
@@ -3341,7 +3346,14 @@
         <p:cNvGrpSpPr/>
         <p:nvPr/>
       </p:nvGrpSpPr>
-      <p:grpSpPr/>
+      <p:grpSpPr>
+        <a:xfrm>
+          <a:off x="0" y="0"/>
+          <a:ext cx="0" cy="0"/>
+          <a:chOff x="0" y="0"/>
+          <a:chExt cx="0" cy="0"/>
+        </a:xfrm>
+      </p:grpSpPr>
       <p:sp>
         <p:nvSpPr>
           <p:cNvPr id="2" name="Rectangle 1"/>
@@ -3382,6 +3394,7 @@
           <a:lstStyle/>
           <a:p>
             <a:pPr algn="ctr"/>
+            <a:endParaRPr dirty="0"/>
           </a:p>
         </p:txBody>
       </p:sp>
@@ -3425,6 +3438,7 @@
           <a:lstStyle/>
           <a:p>
             <a:pPr algn="ctr"/>
+            <a:endParaRPr/>
           </a:p>
         </p:txBody>
       </p:sp>
@@ -3493,7 +3507,7 @@
                 </a:solidFill>
                 <a:latin typeface="Calibri"/>
               </a:rPr>
-              <a:t>The real shift is who you become</a:t>
+              <a:t>Networking becomes service-oriented</a:t>
             </a:r>
           </a:p>
         </p:txBody>
@@ -3506,8 +3520,76 @@
         </p:nvSpPr>
         <p:spPr>
           <a:xfrm>
-            <a:off x="868680" y="1965960"/>
-            <a:ext cx="10789920" cy="4206240"/>
+            <a:off x="685800" y="1965960"/>
+            <a:ext cx="5577840" cy="457200"/>
+          </a:xfrm>
+          <a:prstGeom prst="rect">
+            <a:avLst/>
+          </a:prstGeom>
+          <a:noFill/>
+        </p:spPr>
+        <p:txBody>
+          <a:bodyPr wrap="none">
+            <a:spAutoFit/>
+          </a:bodyPr>
+          <a:lstStyle/>
+          <a:p>
+            <a:r>
+              <a:rPr sz="2200" b="1">
+                <a:solidFill>
+                  <a:srgbClr val="1F4E79"/>
+                </a:solidFill>
+                <a:latin typeface="Calibri"/>
+              </a:rPr>
+              <a:t>OpenStack</a:t>
+            </a:r>
+          </a:p>
+        </p:txBody>
+      </p:sp>
+      <p:sp>
+        <p:nvSpPr>
+          <p:cNvPr id="7" name="TextBox 6"/>
+          <p:cNvSpPr txBox="1"/>
+          <p:nvPr/>
+        </p:nvSpPr>
+        <p:spPr>
+          <a:xfrm>
+            <a:off x="6675120" y="1965960"/>
+            <a:ext cx="5577840" cy="457200"/>
+          </a:xfrm>
+          <a:prstGeom prst="rect">
+            <a:avLst/>
+          </a:prstGeom>
+          <a:noFill/>
+        </p:spPr>
+        <p:txBody>
+          <a:bodyPr wrap="none">
+            <a:spAutoFit/>
+          </a:bodyPr>
+          <a:lstStyle/>
+          <a:p>
+            <a:r>
+              <a:rPr sz="2200" b="1">
+                <a:solidFill>
+                  <a:srgbClr val="1F4E79"/>
+                </a:solidFill>
+                <a:latin typeface="Calibri"/>
+              </a:rPr>
+              <a:t>Kubernetes</a:t>
+            </a:r>
+          </a:p>
+        </p:txBody>
+      </p:sp>
+      <p:sp>
+        <p:nvSpPr>
+          <p:cNvPr id="8" name="TextBox 7"/>
+          <p:cNvSpPr txBox="1"/>
+          <p:nvPr/>
+        </p:nvSpPr>
+        <p:spPr>
+          <a:xfrm>
+            <a:off x="685800" y="2514600"/>
+            <a:ext cx="5577840" cy="4297680"/>
           </a:xfrm>
           <a:prstGeom prst="rect">
             <a:avLst/>
@@ -3529,7 +3611,7 @@
               </a:defRPr>
             </a:pPr>
             <a:r>
-              <a:t>From server admin → platform engineer</a:t>
+              <a:t>Security groups</a:t>
             </a:r>
           </a:p>
           <a:p>
@@ -3542,7 +3624,7 @@
               </a:defRPr>
             </a:pPr>
             <a:r>
-              <a:t>From fixing machines → designing workloads</a:t>
+              <a:t>Floating IPs</a:t>
             </a:r>
           </a:p>
           <a:p>
@@ -3555,9 +3637,32 @@
               </a:defRPr>
             </a:pPr>
             <a:r>
-              <a:t>From manual ops → automated control loops</a:t>
-            </a:r>
-          </a:p>
+              <a:t>Port mappings</a:t>
+            </a:r>
+          </a:p>
+        </p:txBody>
+      </p:sp>
+      <p:sp>
+        <p:nvSpPr>
+          <p:cNvPr id="9" name="TextBox 8"/>
+          <p:cNvSpPr txBox="1"/>
+          <p:nvPr/>
+        </p:nvSpPr>
+        <p:spPr>
+          <a:xfrm>
+            <a:off x="6675120" y="2514600"/>
+            <a:ext cx="5577840" cy="4297680"/>
+          </a:xfrm>
+          <a:prstGeom prst="rect">
+            <a:avLst/>
+          </a:prstGeom>
+          <a:noFill/>
+        </p:spPr>
+        <p:txBody>
+          <a:bodyPr wrap="square">
+            <a:spAutoFit/>
+          </a:bodyPr>
+          <a:lstStyle/>
           <a:p>
             <a:pPr>
               <a:defRPr sz="2600">
@@ -3568,6 +3673,373 @@
               </a:defRPr>
             </a:pPr>
             <a:r>
+              <a:t>Services</a:t>
+            </a:r>
+          </a:p>
+          <a:p>
+            <a:pPr>
+              <a:defRPr sz="2600">
+                <a:solidFill>
+                  <a:srgbClr val="1F2933"/>
+                </a:solidFill>
+                <a:latin typeface="Calibri"/>
+              </a:defRPr>
+            </a:pPr>
+            <a:r>
+              <a:t>Ingress controllers</a:t>
+            </a:r>
+          </a:p>
+          <a:p>
+            <a:pPr>
+              <a:defRPr sz="2600">
+                <a:solidFill>
+                  <a:srgbClr val="1F2933"/>
+                </a:solidFill>
+                <a:latin typeface="Calibri"/>
+              </a:defRPr>
+            </a:pPr>
+            <a:r>
+              <a:t>NetworkPolicies</a:t>
+            </a:r>
+          </a:p>
+        </p:txBody>
+      </p:sp>
+      <p:sp>
+        <p:nvSpPr>
+          <p:cNvPr id="10" name="Rectangle 9"/>
+          <p:cNvSpPr/>
+          <p:nvPr/>
+        </p:nvSpPr>
+        <p:spPr>
+          <a:xfrm>
+            <a:off x="5489449" y="1234440"/>
+            <a:ext cx="27432" cy="4754880"/>
+          </a:xfrm>
+          <a:prstGeom prst="rect">
+            <a:avLst/>
+          </a:prstGeom>
+          <a:solidFill>
+            <a:srgbClr val="E5E7EB"/>
+          </a:solidFill>
+          <a:ln>
+            <a:noFill/>
+          </a:ln>
+        </p:spPr>
+        <p:style>
+          <a:lnRef idx="1">
+            <a:schemeClr val="accent1"/>
+          </a:lnRef>
+          <a:fillRef idx="3">
+            <a:schemeClr val="accent1"/>
+          </a:fillRef>
+          <a:effectRef idx="2">
+            <a:schemeClr val="accent1"/>
+          </a:effectRef>
+          <a:fontRef idx="minor">
+            <a:schemeClr val="lt1"/>
+          </a:fontRef>
+        </p:style>
+        <p:txBody>
+          <a:bodyPr rtlCol="0" anchor="ctr"/>
+          <a:lstStyle/>
+          <a:p>
+            <a:pPr algn="ctr"/>
+            <a:endParaRPr/>
+          </a:p>
+        </p:txBody>
+      </p:sp>
+      <p:sp>
+        <p:nvSpPr>
+          <p:cNvPr id="11" name="TextBox 10"/>
+          <p:cNvSpPr txBox="1"/>
+          <p:nvPr/>
+        </p:nvSpPr>
+        <p:spPr>
+          <a:xfrm>
+            <a:off x="685800" y="5989320"/>
+            <a:ext cx="10972800" cy="548640"/>
+          </a:xfrm>
+          <a:prstGeom prst="rect">
+            <a:avLst/>
+          </a:prstGeom>
+          <a:noFill/>
+        </p:spPr>
+        <p:txBody>
+          <a:bodyPr wrap="none">
+            <a:spAutoFit/>
+          </a:bodyPr>
+          <a:lstStyle/>
+          <a:p>
+            <a:pPr algn="l"/>
+            <a:r>
+              <a:rPr sz="2400" b="1">
+                <a:solidFill>
+                  <a:srgbClr val="1F4E79"/>
+                </a:solidFill>
+                <a:latin typeface="Calibri"/>
+              </a:rPr>
+              <a:t>Shift: service identity + policy, not host perimeter</a:t>
+            </a:r>
+          </a:p>
+        </p:txBody>
+      </p:sp>
+    </p:spTree>
+  </p:cSld>
+  <p:clrMapOvr>
+    <a:masterClrMapping/>
+  </p:clrMapOvr>
+</p:sld>
+</file>
+
+<file path=ppt/slides/slide11.xml><?xml version="1.0" encoding="utf-8"?>
+<p:sld xmlns:a="http://schemas.openxmlformats.org/drawingml/2006/main" xmlns:r="http://schemas.openxmlformats.org/officeDocument/2006/relationships" xmlns:p="http://schemas.openxmlformats.org/presentationml/2006/main">
+  <p:cSld>
+    <p:spTree>
+      <p:nvGrpSpPr>
+        <p:cNvPr id="1" name=""/>
+        <p:cNvGrpSpPr/>
+        <p:nvPr/>
+      </p:nvGrpSpPr>
+      <p:grpSpPr>
+        <a:xfrm>
+          <a:off x="0" y="0"/>
+          <a:ext cx="0" cy="0"/>
+          <a:chOff x="0" y="0"/>
+          <a:chExt cx="0" cy="0"/>
+        </a:xfrm>
+      </p:grpSpPr>
+      <p:sp>
+        <p:nvSpPr>
+          <p:cNvPr id="2" name="Rectangle 1"/>
+          <p:cNvSpPr/>
+          <p:nvPr/>
+        </p:nvSpPr>
+        <p:spPr>
+          <a:xfrm>
+            <a:off x="0" y="0"/>
+            <a:ext cx="12191695" cy="6858000"/>
+          </a:xfrm>
+          <a:prstGeom prst="rect">
+            <a:avLst/>
+          </a:prstGeom>
+          <a:solidFill>
+            <a:srgbClr val="FFFFFF"/>
+          </a:solidFill>
+          <a:ln>
+            <a:noFill/>
+          </a:ln>
+        </p:spPr>
+        <p:style>
+          <a:lnRef idx="1">
+            <a:schemeClr val="accent1"/>
+          </a:lnRef>
+          <a:fillRef idx="3">
+            <a:schemeClr val="accent1"/>
+          </a:fillRef>
+          <a:effectRef idx="2">
+            <a:schemeClr val="accent1"/>
+          </a:effectRef>
+          <a:fontRef idx="minor">
+            <a:schemeClr val="lt1"/>
+          </a:fontRef>
+        </p:style>
+        <p:txBody>
+          <a:bodyPr rtlCol="0" anchor="ctr"/>
+          <a:lstStyle/>
+          <a:p>
+            <a:pPr algn="ctr"/>
+            <a:endParaRPr/>
+          </a:p>
+        </p:txBody>
+      </p:sp>
+      <p:sp>
+        <p:nvSpPr>
+          <p:cNvPr id="3" name="Rectangle 2"/>
+          <p:cNvSpPr/>
+          <p:nvPr/>
+        </p:nvSpPr>
+        <p:spPr>
+          <a:xfrm>
+            <a:off x="0" y="0"/>
+            <a:ext cx="12191695" cy="164592"/>
+          </a:xfrm>
+          <a:prstGeom prst="rect">
+            <a:avLst/>
+          </a:prstGeom>
+          <a:solidFill>
+            <a:srgbClr val="1F4E79"/>
+          </a:solidFill>
+          <a:ln>
+            <a:noFill/>
+          </a:ln>
+        </p:spPr>
+        <p:style>
+          <a:lnRef idx="1">
+            <a:schemeClr val="accent1"/>
+          </a:lnRef>
+          <a:fillRef idx="3">
+            <a:schemeClr val="accent1"/>
+          </a:fillRef>
+          <a:effectRef idx="2">
+            <a:schemeClr val="accent1"/>
+          </a:effectRef>
+          <a:fontRef idx="minor">
+            <a:schemeClr val="lt1"/>
+          </a:fontRef>
+        </p:style>
+        <p:txBody>
+          <a:bodyPr rtlCol="0" anchor="ctr"/>
+          <a:lstStyle/>
+          <a:p>
+            <a:pPr algn="ctr"/>
+            <a:endParaRPr/>
+          </a:p>
+        </p:txBody>
+      </p:sp>
+      <p:sp>
+        <p:nvSpPr>
+          <p:cNvPr id="4" name="TextBox 3"/>
+          <p:cNvSpPr txBox="1"/>
+          <p:nvPr/>
+        </p:nvSpPr>
+        <p:spPr>
+          <a:xfrm>
+            <a:off x="548640" y="6537960"/>
+            <a:ext cx="11155680" cy="274320"/>
+          </a:xfrm>
+          <a:prstGeom prst="rect">
+            <a:avLst/>
+          </a:prstGeom>
+          <a:noFill/>
+        </p:spPr>
+        <p:txBody>
+          <a:bodyPr wrap="none">
+            <a:spAutoFit/>
+          </a:bodyPr>
+          <a:lstStyle/>
+          <a:p>
+            <a:pPr algn="r"/>
+            <a:r>
+              <a:rPr sz="1400">
+                <a:solidFill>
+                  <a:srgbClr val="6B7280"/>
+                </a:solidFill>
+                <a:latin typeface="Calibri"/>
+              </a:rPr>
+              <a:t>Summit | 2026-02-23</a:t>
+            </a:r>
+          </a:p>
+        </p:txBody>
+      </p:sp>
+      <p:sp>
+        <p:nvSpPr>
+          <p:cNvPr id="5" name="TextBox 4"/>
+          <p:cNvSpPr txBox="1"/>
+          <p:nvPr/>
+        </p:nvSpPr>
+        <p:spPr>
+          <a:xfrm>
+            <a:off x="685800" y="594360"/>
+            <a:ext cx="10972800" cy="914400"/>
+          </a:xfrm>
+          <a:prstGeom prst="rect">
+            <a:avLst/>
+          </a:prstGeom>
+          <a:noFill/>
+        </p:spPr>
+        <p:txBody>
+          <a:bodyPr wrap="none">
+            <a:spAutoFit/>
+          </a:bodyPr>
+          <a:lstStyle/>
+          <a:p>
+            <a:pPr algn="l"/>
+            <a:r>
+              <a:rPr sz="4000" b="1">
+                <a:solidFill>
+                  <a:srgbClr val="1F2933"/>
+                </a:solidFill>
+                <a:latin typeface="Calibri"/>
+              </a:rPr>
+              <a:t>The real shift is who you become</a:t>
+            </a:r>
+          </a:p>
+        </p:txBody>
+      </p:sp>
+      <p:sp>
+        <p:nvSpPr>
+          <p:cNvPr id="6" name="TextBox 5"/>
+          <p:cNvSpPr txBox="1"/>
+          <p:nvPr/>
+        </p:nvSpPr>
+        <p:spPr>
+          <a:xfrm>
+            <a:off x="868680" y="1965960"/>
+            <a:ext cx="10789920" cy="4206240"/>
+          </a:xfrm>
+          <a:prstGeom prst="rect">
+            <a:avLst/>
+          </a:prstGeom>
+          <a:noFill/>
+        </p:spPr>
+        <p:txBody>
+          <a:bodyPr wrap="square">
+            <a:spAutoFit/>
+          </a:bodyPr>
+          <a:lstStyle/>
+          <a:p>
+            <a:pPr>
+              <a:defRPr sz="2600">
+                <a:solidFill>
+                  <a:srgbClr val="1F2933"/>
+                </a:solidFill>
+                <a:latin typeface="Calibri"/>
+              </a:defRPr>
+            </a:pPr>
+            <a:r>
+              <a:rPr dirty="0"/>
+              <a:t>From server admin → platform engineer</a:t>
+            </a:r>
+          </a:p>
+          <a:p>
+            <a:pPr>
+              <a:defRPr sz="2600">
+                <a:solidFill>
+                  <a:srgbClr val="1F2933"/>
+                </a:solidFill>
+                <a:latin typeface="Calibri"/>
+              </a:defRPr>
+            </a:pPr>
+            <a:r>
+              <a:rPr dirty="0"/>
+              <a:t>From fixing machines → designing workloads</a:t>
+            </a:r>
+          </a:p>
+          <a:p>
+            <a:pPr>
+              <a:defRPr sz="2600">
+                <a:solidFill>
+                  <a:srgbClr val="1F2933"/>
+                </a:solidFill>
+                <a:latin typeface="Calibri"/>
+              </a:defRPr>
+            </a:pPr>
+            <a:r>
+              <a:rPr dirty="0"/>
+              <a:t>From manual ops → automated control loops</a:t>
+            </a:r>
+          </a:p>
+          <a:p>
+            <a:pPr>
+              <a:defRPr sz="2600">
+                <a:solidFill>
+                  <a:srgbClr val="1F2933"/>
+                </a:solidFill>
+                <a:latin typeface="Calibri"/>
+              </a:defRPr>
+            </a:pPr>
+            <a:r>
+              <a:rPr dirty="0"/>
               <a:t>From tickets → pull requests</a:t>
             </a:r>
           </a:p>
@@ -3636,7 +4108,231 @@
 </file>
 
 <file path=ppt/slides/slide2.xml><?xml version="1.0" encoding="utf-8"?>
-<p:sld xmlns:a="http://schemas.openxmlformats.org/drawingml/2006/main" xmlns:p="http://schemas.openxmlformats.org/presentationml/2006/main" xmlns:r="http://schemas.openxmlformats.org/officeDocument/2006/relationships">
+<p:sld xmlns:a="http://schemas.openxmlformats.org/drawingml/2006/main" xmlns:r="http://schemas.openxmlformats.org/officeDocument/2006/relationships" xmlns:p="http://schemas.openxmlformats.org/presentationml/2006/main">
+  <p:cSld>
+    <p:bg>
+      <p:bgPr>
+        <a:solidFill>
+          <a:schemeClr val="bg1"/>
+        </a:solidFill>
+        <a:effectLst/>
+      </p:bgPr>
+    </p:bg>
+    <p:spTree>
+      <p:nvGrpSpPr>
+        <p:cNvPr id="1" name=""/>
+        <p:cNvGrpSpPr/>
+        <p:nvPr/>
+      </p:nvGrpSpPr>
+      <p:grpSpPr>
+        <a:xfrm>
+          <a:off x="0" y="0"/>
+          <a:ext cx="0" cy="0"/>
+          <a:chOff x="0" y="0"/>
+          <a:chExt cx="0" cy="0"/>
+        </a:xfrm>
+      </p:grpSpPr>
+      <p:sp>
+        <p:nvSpPr>
+          <p:cNvPr id="8" name="Rectangle 7">
+            <a:extLst>
+              <a:ext uri="{FF2B5EF4-FFF2-40B4-BE49-F238E27FC236}">
+                <a16:creationId xmlns:a16="http://schemas.microsoft.com/office/drawing/2014/main" id="{42A4FC2C-047E-45A5-965D-8E1E3BF09BC6}"/>
+              </a:ext>
+              <a:ext uri="{C183D7F6-B498-43B3-948B-1728B52AA6E4}">
+                <adec:decorative xmlns:adec="http://schemas.microsoft.com/office/drawing/2017/decorative" val="1"/>
+              </a:ext>
+            </a:extLst>
+          </p:cNvPr>
+          <p:cNvSpPr>
+            <a:spLocks noGrp="1" noRot="1" noChangeAspect="1" noMove="1" noResize="1" noEditPoints="1" noAdjustHandles="1" noChangeArrowheads="1" noChangeShapeType="1" noTextEdit="1"/>
+          </p:cNvSpPr>
+          <p:nvPr>
+            <p:extLst>
+              <p:ext uri="{386F3935-93C4-4BCD-93E2-E3B085C9AB24}">
+                <p16:designElem xmlns:p16="http://schemas.microsoft.com/office/powerpoint/2015/main" val="1"/>
+              </p:ext>
+            </p:extLst>
+          </p:nvPr>
+        </p:nvSpPr>
+        <p:spPr bwMode="white">
+          <a:xfrm>
+            <a:off x="1524" y="0"/>
+            <a:ext cx="12188952" cy="6858000"/>
+          </a:xfrm>
+          <a:prstGeom prst="rect">
+            <a:avLst/>
+          </a:prstGeom>
+          <a:noFill/>
+          <a:ln>
+            <a:noFill/>
+          </a:ln>
+        </p:spPr>
+        <p:style>
+          <a:lnRef idx="2">
+            <a:schemeClr val="accent1">
+              <a:shade val="50000"/>
+            </a:schemeClr>
+          </a:lnRef>
+          <a:fillRef idx="1">
+            <a:schemeClr val="accent1"/>
+          </a:fillRef>
+          <a:effectRef idx="0">
+            <a:schemeClr val="accent1"/>
+          </a:effectRef>
+          <a:fontRef idx="minor">
+            <a:schemeClr val="lt1"/>
+          </a:fontRef>
+        </p:style>
+        <p:txBody>
+          <a:bodyPr rtlCol="0" anchor="ctr"/>
+          <a:lstStyle>
+            <a:defPPr>
+              <a:defRPr lang="en-US"/>
+            </a:defPPr>
+            <a:lvl1pPr marL="0" algn="l" defTabSz="914400" rtl="0" eaLnBrk="1" latinLnBrk="0" hangingPunct="1">
+              <a:defRPr sz="1800" kern="1200">
+                <a:solidFill>
+                  <a:schemeClr val="lt1"/>
+                </a:solidFill>
+                <a:latin typeface="+mn-lt"/>
+                <a:ea typeface="+mn-ea"/>
+                <a:cs typeface="+mn-cs"/>
+              </a:defRPr>
+            </a:lvl1pPr>
+            <a:lvl2pPr marL="457200" algn="l" defTabSz="914400" rtl="0" eaLnBrk="1" latinLnBrk="0" hangingPunct="1">
+              <a:defRPr sz="1800" kern="1200">
+                <a:solidFill>
+                  <a:schemeClr val="lt1"/>
+                </a:solidFill>
+                <a:latin typeface="+mn-lt"/>
+                <a:ea typeface="+mn-ea"/>
+                <a:cs typeface="+mn-cs"/>
+              </a:defRPr>
+            </a:lvl2pPr>
+            <a:lvl3pPr marL="914400" algn="l" defTabSz="914400" rtl="0" eaLnBrk="1" latinLnBrk="0" hangingPunct="1">
+              <a:defRPr sz="1800" kern="1200">
+                <a:solidFill>
+                  <a:schemeClr val="lt1"/>
+                </a:solidFill>
+                <a:latin typeface="+mn-lt"/>
+                <a:ea typeface="+mn-ea"/>
+                <a:cs typeface="+mn-cs"/>
+              </a:defRPr>
+            </a:lvl3pPr>
+            <a:lvl4pPr marL="1371600" algn="l" defTabSz="914400" rtl="0" eaLnBrk="1" latinLnBrk="0" hangingPunct="1">
+              <a:defRPr sz="1800" kern="1200">
+                <a:solidFill>
+                  <a:schemeClr val="lt1"/>
+                </a:solidFill>
+                <a:latin typeface="+mn-lt"/>
+                <a:ea typeface="+mn-ea"/>
+                <a:cs typeface="+mn-cs"/>
+              </a:defRPr>
+            </a:lvl4pPr>
+            <a:lvl5pPr marL="1828800" algn="l" defTabSz="914400" rtl="0" eaLnBrk="1" latinLnBrk="0" hangingPunct="1">
+              <a:defRPr sz="1800" kern="1200">
+                <a:solidFill>
+                  <a:schemeClr val="lt1"/>
+                </a:solidFill>
+                <a:latin typeface="+mn-lt"/>
+                <a:ea typeface="+mn-ea"/>
+                <a:cs typeface="+mn-cs"/>
+              </a:defRPr>
+            </a:lvl5pPr>
+            <a:lvl6pPr marL="2286000" algn="l" defTabSz="914400" rtl="0" eaLnBrk="1" latinLnBrk="0" hangingPunct="1">
+              <a:defRPr sz="1800" kern="1200">
+                <a:solidFill>
+                  <a:schemeClr val="lt1"/>
+                </a:solidFill>
+                <a:latin typeface="+mn-lt"/>
+                <a:ea typeface="+mn-ea"/>
+                <a:cs typeface="+mn-cs"/>
+              </a:defRPr>
+            </a:lvl6pPr>
+            <a:lvl7pPr marL="2743200" algn="l" defTabSz="914400" rtl="0" eaLnBrk="1" latinLnBrk="0" hangingPunct="1">
+              <a:defRPr sz="1800" kern="1200">
+                <a:solidFill>
+                  <a:schemeClr val="lt1"/>
+                </a:solidFill>
+                <a:latin typeface="+mn-lt"/>
+                <a:ea typeface="+mn-ea"/>
+                <a:cs typeface="+mn-cs"/>
+              </a:defRPr>
+            </a:lvl7pPr>
+            <a:lvl8pPr marL="3200400" algn="l" defTabSz="914400" rtl="0" eaLnBrk="1" latinLnBrk="0" hangingPunct="1">
+              <a:defRPr sz="1800" kern="1200">
+                <a:solidFill>
+                  <a:schemeClr val="lt1"/>
+                </a:solidFill>
+                <a:latin typeface="+mn-lt"/>
+                <a:ea typeface="+mn-ea"/>
+                <a:cs typeface="+mn-cs"/>
+              </a:defRPr>
+            </a:lvl8pPr>
+            <a:lvl9pPr marL="3657600" algn="l" defTabSz="914400" rtl="0" eaLnBrk="1" latinLnBrk="0" hangingPunct="1">
+              <a:defRPr sz="1800" kern="1200">
+                <a:solidFill>
+                  <a:schemeClr val="lt1"/>
+                </a:solidFill>
+                <a:latin typeface="+mn-lt"/>
+                <a:ea typeface="+mn-ea"/>
+                <a:cs typeface="+mn-cs"/>
+              </a:defRPr>
+            </a:lvl9pPr>
+          </a:lstStyle>
+          <a:p>
+            <a:pPr algn="ctr"/>
+            <a:endParaRPr lang="en-US"/>
+          </a:p>
+        </p:txBody>
+      </p:sp>
+      <p:pic>
+        <p:nvPicPr>
+          <p:cNvPr id="3" name="Picture 2" descr="A diagram of a software development&#10;&#10;AI-generated content may be incorrect.">
+            <a:extLst>
+              <a:ext uri="{FF2B5EF4-FFF2-40B4-BE49-F238E27FC236}">
+                <a16:creationId xmlns:a16="http://schemas.microsoft.com/office/drawing/2014/main" id="{EFBFBF61-A6D7-E136-2ADD-DB5D6827F758}"/>
+              </a:ext>
+            </a:extLst>
+          </p:cNvPr>
+          <p:cNvPicPr>
+            <a:picLocks noChangeAspect="1"/>
+          </p:cNvPicPr>
+          <p:nvPr/>
+        </p:nvPicPr>
+        <p:blipFill>
+          <a:blip r:embed="rId2"/>
+          <a:srcRect t="1978" b="13768"/>
+          <a:stretch>
+            <a:fillRect/>
+          </a:stretch>
+        </p:blipFill>
+        <p:spPr>
+          <a:xfrm>
+            <a:off x="20" y="1282"/>
+            <a:ext cx="12191980" cy="6856718"/>
+          </a:xfrm>
+          <a:prstGeom prst="rect">
+            <a:avLst/>
+          </a:prstGeom>
+        </p:spPr>
+      </p:pic>
+    </p:spTree>
+    <p:extLst>
+      <p:ext uri="{BB962C8B-B14F-4D97-AF65-F5344CB8AC3E}">
+        <p14:creationId xmlns:p14="http://schemas.microsoft.com/office/powerpoint/2010/main" val="2571537666"/>
+      </p:ext>
+    </p:extLst>
+  </p:cSld>
+  <p:clrMapOvr>
+    <a:masterClrMapping/>
+  </p:clrMapOvr>
+</p:sld>
+</file>
+
+<file path=ppt/slides/slide3.xml><?xml version="1.0" encoding="utf-8"?>
+<p:sld xmlns:a="http://schemas.openxmlformats.org/drawingml/2006/main" xmlns:r="http://schemas.openxmlformats.org/officeDocument/2006/relationships" xmlns:p="http://schemas.openxmlformats.org/presentationml/2006/main" show="0">
   <p:cSld>
     <p:spTree>
       <p:nvGrpSpPr>
@@ -3644,7 +4340,14 @@
         <p:cNvGrpSpPr/>
         <p:nvPr/>
       </p:nvGrpSpPr>
-      <p:grpSpPr/>
+      <p:grpSpPr>
+        <a:xfrm>
+          <a:off x="0" y="0"/>
+          <a:ext cx="0" cy="0"/>
+          <a:chOff x="0" y="0"/>
+          <a:chExt cx="0" cy="0"/>
+        </a:xfrm>
+      </p:grpSpPr>
       <p:sp>
         <p:nvSpPr>
           <p:cNvPr id="2" name="Rectangle 1"/>
@@ -3685,6 +4388,7 @@
           <a:lstStyle/>
           <a:p>
             <a:pPr algn="ctr"/>
+            <a:endParaRPr/>
           </a:p>
         </p:txBody>
       </p:sp>
@@ -3728,6 +4432,7 @@
           <a:lstStyle/>
           <a:p>
             <a:pPr algn="ctr"/>
+            <a:endParaRPr/>
           </a:p>
         </p:txBody>
       </p:sp>
@@ -3790,7 +4495,7 @@
           <a:p>
             <a:pPr algn="l"/>
             <a:r>
-              <a:rPr sz="4000" b="1">
+              <a:rPr sz="4000" b="1" dirty="0">
                 <a:solidFill>
                   <a:srgbClr val="1F2933"/>
                 </a:solidFill>
@@ -3926,502 +4631,6 @@
                 <a:latin typeface="Calibri"/>
               </a:rPr>
               <a:t>Goal: adopt platform behaviors—declare intent and let the system reconcile.</a:t>
-            </a:r>
-          </a:p>
-        </p:txBody>
-      </p:sp>
-    </p:spTree>
-  </p:cSld>
-  <p:clrMapOvr>
-    <a:masterClrMapping/>
-  </p:clrMapOvr>
-</p:sld>
-</file>
-
-<file path=ppt/slides/slide3.xml><?xml version="1.0" encoding="utf-8"?>
-<p:sld xmlns:a="http://schemas.openxmlformats.org/drawingml/2006/main" xmlns:p="http://schemas.openxmlformats.org/presentationml/2006/main" xmlns:r="http://schemas.openxmlformats.org/officeDocument/2006/relationships">
-  <p:cSld>
-    <p:spTree>
-      <p:nvGrpSpPr>
-        <p:cNvPr id="1" name=""/>
-        <p:cNvGrpSpPr/>
-        <p:nvPr/>
-      </p:nvGrpSpPr>
-      <p:grpSpPr/>
-      <p:sp>
-        <p:nvSpPr>
-          <p:cNvPr id="2" name="Rectangle 1"/>
-          <p:cNvSpPr/>
-          <p:nvPr/>
-        </p:nvSpPr>
-        <p:spPr>
-          <a:xfrm>
-            <a:off x="0" y="0"/>
-            <a:ext cx="12191695" cy="6858000"/>
-          </a:xfrm>
-          <a:prstGeom prst="rect">
-            <a:avLst/>
-          </a:prstGeom>
-          <a:solidFill>
-            <a:srgbClr val="FFFFFF"/>
-          </a:solidFill>
-          <a:ln>
-            <a:noFill/>
-          </a:ln>
-        </p:spPr>
-        <p:style>
-          <a:lnRef idx="1">
-            <a:schemeClr val="accent1"/>
-          </a:lnRef>
-          <a:fillRef idx="3">
-            <a:schemeClr val="accent1"/>
-          </a:fillRef>
-          <a:effectRef idx="2">
-            <a:schemeClr val="accent1"/>
-          </a:effectRef>
-          <a:fontRef idx="minor">
-            <a:schemeClr val="lt1"/>
-          </a:fontRef>
-        </p:style>
-        <p:txBody>
-          <a:bodyPr rtlCol="0" anchor="ctr"/>
-          <a:lstStyle/>
-          <a:p>
-            <a:pPr algn="ctr"/>
-          </a:p>
-        </p:txBody>
-      </p:sp>
-      <p:sp>
-        <p:nvSpPr>
-          <p:cNvPr id="3" name="Rectangle 2"/>
-          <p:cNvSpPr/>
-          <p:nvPr/>
-        </p:nvSpPr>
-        <p:spPr>
-          <a:xfrm>
-            <a:off x="0" y="0"/>
-            <a:ext cx="12191695" cy="164592"/>
-          </a:xfrm>
-          <a:prstGeom prst="rect">
-            <a:avLst/>
-          </a:prstGeom>
-          <a:solidFill>
-            <a:srgbClr val="1F4E79"/>
-          </a:solidFill>
-          <a:ln>
-            <a:noFill/>
-          </a:ln>
-        </p:spPr>
-        <p:style>
-          <a:lnRef idx="1">
-            <a:schemeClr val="accent1"/>
-          </a:lnRef>
-          <a:fillRef idx="3">
-            <a:schemeClr val="accent1"/>
-          </a:fillRef>
-          <a:effectRef idx="2">
-            <a:schemeClr val="accent1"/>
-          </a:effectRef>
-          <a:fontRef idx="minor">
-            <a:schemeClr val="lt1"/>
-          </a:fontRef>
-        </p:style>
-        <p:txBody>
-          <a:bodyPr rtlCol="0" anchor="ctr"/>
-          <a:lstStyle/>
-          <a:p>
-            <a:pPr algn="ctr"/>
-          </a:p>
-        </p:txBody>
-      </p:sp>
-      <p:sp>
-        <p:nvSpPr>
-          <p:cNvPr id="4" name="TextBox 3"/>
-          <p:cNvSpPr txBox="1"/>
-          <p:nvPr/>
-        </p:nvSpPr>
-        <p:spPr>
-          <a:xfrm>
-            <a:off x="548640" y="6537960"/>
-            <a:ext cx="11155680" cy="274320"/>
-          </a:xfrm>
-          <a:prstGeom prst="rect">
-            <a:avLst/>
-          </a:prstGeom>
-          <a:noFill/>
-        </p:spPr>
-        <p:txBody>
-          <a:bodyPr wrap="none">
-            <a:spAutoFit/>
-          </a:bodyPr>
-          <a:lstStyle/>
-          <a:p>
-            <a:pPr algn="r"/>
-            <a:r>
-              <a:rPr sz="1400">
-                <a:solidFill>
-                  <a:srgbClr val="6B7280"/>
-                </a:solidFill>
-                <a:latin typeface="Calibri"/>
-              </a:rPr>
-              <a:t>Summit | 2026-02-23</a:t>
-            </a:r>
-          </a:p>
-        </p:txBody>
-      </p:sp>
-      <p:sp>
-        <p:nvSpPr>
-          <p:cNvPr id="5" name="TextBox 4"/>
-          <p:cNvSpPr txBox="1"/>
-          <p:nvPr/>
-        </p:nvSpPr>
-        <p:spPr>
-          <a:xfrm>
-            <a:off x="685800" y="594360"/>
-            <a:ext cx="10972800" cy="914400"/>
-          </a:xfrm>
-          <a:prstGeom prst="rect">
-            <a:avLst/>
-          </a:prstGeom>
-          <a:noFill/>
-        </p:spPr>
-        <p:txBody>
-          <a:bodyPr wrap="none">
-            <a:spAutoFit/>
-          </a:bodyPr>
-          <a:lstStyle/>
-          <a:p>
-            <a:pPr algn="l"/>
-            <a:r>
-              <a:rPr sz="4000" b="1">
-                <a:solidFill>
-                  <a:srgbClr val="1F2933"/>
-                </a:solidFill>
-                <a:latin typeface="Calibri"/>
-              </a:rPr>
-              <a:t>What you optimize for changes</a:t>
-            </a:r>
-          </a:p>
-        </p:txBody>
-      </p:sp>
-      <p:sp>
-        <p:nvSpPr>
-          <p:cNvPr id="6" name="TextBox 5"/>
-          <p:cNvSpPr txBox="1"/>
-          <p:nvPr/>
-        </p:nvSpPr>
-        <p:spPr>
-          <a:xfrm>
-            <a:off x="685800" y="1965960"/>
-            <a:ext cx="5577840" cy="457200"/>
-          </a:xfrm>
-          <a:prstGeom prst="rect">
-            <a:avLst/>
-          </a:prstGeom>
-          <a:noFill/>
-        </p:spPr>
-        <p:txBody>
-          <a:bodyPr wrap="none">
-            <a:spAutoFit/>
-          </a:bodyPr>
-          <a:lstStyle/>
-          <a:p>
-            <a:r>
-              <a:rPr sz="2200" b="1">
-                <a:solidFill>
-                  <a:srgbClr val="1F4E79"/>
-                </a:solidFill>
-                <a:latin typeface="Calibri"/>
-              </a:rPr>
-              <a:t>OpenStack</a:t>
-            </a:r>
-          </a:p>
-        </p:txBody>
-      </p:sp>
-      <p:sp>
-        <p:nvSpPr>
-          <p:cNvPr id="7" name="TextBox 6"/>
-          <p:cNvSpPr txBox="1"/>
-          <p:nvPr/>
-        </p:nvSpPr>
-        <p:spPr>
-          <a:xfrm>
-            <a:off x="6675120" y="1965960"/>
-            <a:ext cx="5577840" cy="457200"/>
-          </a:xfrm>
-          <a:prstGeom prst="rect">
-            <a:avLst/>
-          </a:prstGeom>
-          <a:noFill/>
-        </p:spPr>
-        <p:txBody>
-          <a:bodyPr wrap="none">
-            <a:spAutoFit/>
-          </a:bodyPr>
-          <a:lstStyle/>
-          <a:p>
-            <a:r>
-              <a:rPr sz="2200" b="1">
-                <a:solidFill>
-                  <a:srgbClr val="1F4E79"/>
-                </a:solidFill>
-                <a:latin typeface="Calibri"/>
-              </a:rPr>
-              <a:t>Kubernetes</a:t>
-            </a:r>
-          </a:p>
-        </p:txBody>
-      </p:sp>
-      <p:sp>
-        <p:nvSpPr>
-          <p:cNvPr id="8" name="TextBox 7"/>
-          <p:cNvSpPr txBox="1"/>
-          <p:nvPr/>
-        </p:nvSpPr>
-        <p:spPr>
-          <a:xfrm>
-            <a:off x="685800" y="2514600"/>
-            <a:ext cx="5577840" cy="4297680"/>
-          </a:xfrm>
-          <a:prstGeom prst="rect">
-            <a:avLst/>
-          </a:prstGeom>
-          <a:noFill/>
-        </p:spPr>
-        <p:txBody>
-          <a:bodyPr wrap="square">
-            <a:spAutoFit/>
-          </a:bodyPr>
-          <a:lstStyle/>
-          <a:p>
-            <a:pPr>
-              <a:defRPr sz="2600">
-                <a:solidFill>
-                  <a:srgbClr val="1F2933"/>
-                </a:solidFill>
-                <a:latin typeface="Calibri"/>
-              </a:defRPr>
-            </a:pPr>
-            <a:r>
-              <a:t>VMs</a:t>
-            </a:r>
-          </a:p>
-          <a:p>
-            <a:pPr>
-              <a:defRPr sz="2600">
-                <a:solidFill>
-                  <a:srgbClr val="1F2933"/>
-                </a:solidFill>
-                <a:latin typeface="Calibri"/>
-              </a:defRPr>
-            </a:pPr>
-            <a:r>
-              <a:t>IP addresses</a:t>
-            </a:r>
-          </a:p>
-          <a:p>
-            <a:pPr>
-              <a:defRPr sz="2600">
-                <a:solidFill>
-                  <a:srgbClr val="1F2933"/>
-                </a:solidFill>
-                <a:latin typeface="Calibri"/>
-              </a:defRPr>
-            </a:pPr>
-            <a:r>
-              <a:t>Security groups</a:t>
-            </a:r>
-          </a:p>
-          <a:p>
-            <a:pPr>
-              <a:defRPr sz="2600">
-                <a:solidFill>
-                  <a:srgbClr val="1F2933"/>
-                </a:solidFill>
-                <a:latin typeface="Calibri"/>
-              </a:defRPr>
-            </a:pPr>
-            <a:r>
-              <a:t>SSH access</a:t>
-            </a:r>
-          </a:p>
-          <a:p>
-            <a:pPr>
-              <a:defRPr sz="2600">
-                <a:solidFill>
-                  <a:srgbClr val="1F2933"/>
-                </a:solidFill>
-                <a:latin typeface="Calibri"/>
-              </a:defRPr>
-            </a:pPr>
-            <a:r>
-              <a:t>Server configuration</a:t>
-            </a:r>
-          </a:p>
-        </p:txBody>
-      </p:sp>
-      <p:sp>
-        <p:nvSpPr>
-          <p:cNvPr id="9" name="TextBox 8"/>
-          <p:cNvSpPr txBox="1"/>
-          <p:nvPr/>
-        </p:nvSpPr>
-        <p:spPr>
-          <a:xfrm>
-            <a:off x="6675120" y="2514600"/>
-            <a:ext cx="5577840" cy="4297680"/>
-          </a:xfrm>
-          <a:prstGeom prst="rect">
-            <a:avLst/>
-          </a:prstGeom>
-          <a:noFill/>
-        </p:spPr>
-        <p:txBody>
-          <a:bodyPr wrap="square">
-            <a:spAutoFit/>
-          </a:bodyPr>
-          <a:lstStyle/>
-          <a:p>
-            <a:pPr>
-              <a:defRPr sz="2600">
-                <a:solidFill>
-                  <a:srgbClr val="1F2933"/>
-                </a:solidFill>
-                <a:latin typeface="Calibri"/>
-              </a:defRPr>
-            </a:pPr>
-            <a:r>
-              <a:t>Pods</a:t>
-            </a:r>
-          </a:p>
-          <a:p>
-            <a:pPr>
-              <a:defRPr sz="2600">
-                <a:solidFill>
-                  <a:srgbClr val="1F2933"/>
-                </a:solidFill>
-                <a:latin typeface="Calibri"/>
-              </a:defRPr>
-            </a:pPr>
-            <a:r>
-              <a:t>Deployments</a:t>
-            </a:r>
-          </a:p>
-          <a:p>
-            <a:pPr>
-              <a:defRPr sz="2600">
-                <a:solidFill>
-                  <a:srgbClr val="1F2933"/>
-                </a:solidFill>
-                <a:latin typeface="Calibri"/>
-              </a:defRPr>
-            </a:pPr>
-            <a:r>
-              <a:t>Services</a:t>
-            </a:r>
-          </a:p>
-          <a:p>
-            <a:pPr>
-              <a:defRPr sz="2600">
-                <a:solidFill>
-                  <a:srgbClr val="1F2933"/>
-                </a:solidFill>
-                <a:latin typeface="Calibri"/>
-              </a:defRPr>
-            </a:pPr>
-            <a:r>
-              <a:t>Ingress</a:t>
-            </a:r>
-          </a:p>
-          <a:p>
-            <a:pPr>
-              <a:defRPr sz="2600">
-                <a:solidFill>
-                  <a:srgbClr val="1F2933"/>
-                </a:solidFill>
-                <a:latin typeface="Calibri"/>
-              </a:defRPr>
-            </a:pPr>
-            <a:r>
-              <a:t>Desired state</a:t>
-            </a:r>
-          </a:p>
-        </p:txBody>
-      </p:sp>
-      <p:sp>
-        <p:nvSpPr>
-          <p:cNvPr id="10" name="Rectangle 9"/>
-          <p:cNvSpPr/>
-          <p:nvPr/>
-        </p:nvSpPr>
-        <p:spPr>
-          <a:xfrm>
-            <a:off x="6469379" y="2468880"/>
-            <a:ext cx="27432" cy="4754880"/>
-          </a:xfrm>
-          <a:prstGeom prst="rect">
-            <a:avLst/>
-          </a:prstGeom>
-          <a:solidFill>
-            <a:srgbClr val="E5E7EB"/>
-          </a:solidFill>
-          <a:ln>
-            <a:noFill/>
-          </a:ln>
-        </p:spPr>
-        <p:style>
-          <a:lnRef idx="1">
-            <a:schemeClr val="accent1"/>
-          </a:lnRef>
-          <a:fillRef idx="3">
-            <a:schemeClr val="accent1"/>
-          </a:fillRef>
-          <a:effectRef idx="2">
-            <a:schemeClr val="accent1"/>
-          </a:effectRef>
-          <a:fontRef idx="minor">
-            <a:schemeClr val="lt1"/>
-          </a:fontRef>
-        </p:style>
-        <p:txBody>
-          <a:bodyPr rtlCol="0" anchor="ctr"/>
-          <a:lstStyle/>
-          <a:p>
-            <a:pPr algn="ctr"/>
-          </a:p>
-        </p:txBody>
-      </p:sp>
-      <p:sp>
-        <p:nvSpPr>
-          <p:cNvPr id="11" name="TextBox 10"/>
-          <p:cNvSpPr txBox="1"/>
-          <p:nvPr/>
-        </p:nvSpPr>
-        <p:spPr>
-          <a:xfrm>
-            <a:off x="685800" y="5989320"/>
-            <a:ext cx="10972800" cy="548640"/>
-          </a:xfrm>
-          <a:prstGeom prst="rect">
-            <a:avLst/>
-          </a:prstGeom>
-          <a:noFill/>
-        </p:spPr>
-        <p:txBody>
-          <a:bodyPr wrap="none">
-            <a:spAutoFit/>
-          </a:bodyPr>
-          <a:lstStyle/>
-          <a:p>
-            <a:pPr algn="l"/>
-            <a:r>
-              <a:rPr sz="2400" b="1">
-                <a:solidFill>
-                  <a:srgbClr val="1F4E79"/>
-                </a:solidFill>
-                <a:latin typeface="Calibri"/>
-              </a:rPr>
-              <a:t>Stop managing servers → Start declaring outcomes</a:t>
             </a:r>
           </a:p>
         </p:txBody>
@@ -4435,7 +4644,7 @@
 </file>
 
 <file path=ppt/slides/slide4.xml><?xml version="1.0" encoding="utf-8"?>
-<p:sld xmlns:a="http://schemas.openxmlformats.org/drawingml/2006/main" xmlns:p="http://schemas.openxmlformats.org/presentationml/2006/main" xmlns:r="http://schemas.openxmlformats.org/officeDocument/2006/relationships">
+<p:sld xmlns:a="http://schemas.openxmlformats.org/drawingml/2006/main" xmlns:r="http://schemas.openxmlformats.org/officeDocument/2006/relationships" xmlns:p="http://schemas.openxmlformats.org/presentationml/2006/main">
   <p:cSld>
     <p:spTree>
       <p:nvGrpSpPr>
@@ -4443,7 +4652,14 @@
         <p:cNvGrpSpPr/>
         <p:nvPr/>
       </p:nvGrpSpPr>
-      <p:grpSpPr/>
+      <p:grpSpPr>
+        <a:xfrm>
+          <a:off x="0" y="0"/>
+          <a:ext cx="0" cy="0"/>
+          <a:chOff x="0" y="0"/>
+          <a:chExt cx="0" cy="0"/>
+        </a:xfrm>
+      </p:grpSpPr>
       <p:sp>
         <p:nvSpPr>
           <p:cNvPr id="2" name="Rectangle 1"/>
@@ -4484,6 +4700,7 @@
           <a:lstStyle/>
           <a:p>
             <a:pPr algn="ctr"/>
+            <a:endParaRPr dirty="0"/>
           </a:p>
         </p:txBody>
       </p:sp>
@@ -4527,6 +4744,7 @@
           <a:lstStyle/>
           <a:p>
             <a:pPr algn="ctr"/>
+            <a:endParaRPr/>
           </a:p>
         </p:txBody>
       </p:sp>
@@ -4595,7 +4813,7 @@
                 </a:solidFill>
                 <a:latin typeface="Calibri"/>
               </a:rPr>
-              <a:t>OpenStack mindset: “I own this server”</a:t>
+              <a:t>What you optimize for changes</a:t>
             </a:r>
           </a:p>
         </p:txBody>
@@ -4608,8 +4826,76 @@
         </p:nvSpPr>
         <p:spPr>
           <a:xfrm>
-            <a:off x="868680" y="1965960"/>
-            <a:ext cx="10789920" cy="4206240"/>
+            <a:off x="685800" y="1965960"/>
+            <a:ext cx="5577840" cy="457200"/>
+          </a:xfrm>
+          <a:prstGeom prst="rect">
+            <a:avLst/>
+          </a:prstGeom>
+          <a:noFill/>
+        </p:spPr>
+        <p:txBody>
+          <a:bodyPr wrap="none">
+            <a:spAutoFit/>
+          </a:bodyPr>
+          <a:lstStyle/>
+          <a:p>
+            <a:r>
+              <a:rPr sz="2200" b="1">
+                <a:solidFill>
+                  <a:srgbClr val="1F4E79"/>
+                </a:solidFill>
+                <a:latin typeface="Calibri"/>
+              </a:rPr>
+              <a:t>OpenStack</a:t>
+            </a:r>
+          </a:p>
+        </p:txBody>
+      </p:sp>
+      <p:sp>
+        <p:nvSpPr>
+          <p:cNvPr id="7" name="TextBox 6"/>
+          <p:cNvSpPr txBox="1"/>
+          <p:nvPr/>
+        </p:nvSpPr>
+        <p:spPr>
+          <a:xfrm>
+            <a:off x="6675120" y="1965960"/>
+            <a:ext cx="5577840" cy="457200"/>
+          </a:xfrm>
+          <a:prstGeom prst="rect">
+            <a:avLst/>
+          </a:prstGeom>
+          <a:noFill/>
+        </p:spPr>
+        <p:txBody>
+          <a:bodyPr wrap="none">
+            <a:spAutoFit/>
+          </a:bodyPr>
+          <a:lstStyle/>
+          <a:p>
+            <a:r>
+              <a:rPr sz="2200" b="1">
+                <a:solidFill>
+                  <a:srgbClr val="1F4E79"/>
+                </a:solidFill>
+                <a:latin typeface="Calibri"/>
+              </a:rPr>
+              <a:t>Kubernetes</a:t>
+            </a:r>
+          </a:p>
+        </p:txBody>
+      </p:sp>
+      <p:sp>
+        <p:nvSpPr>
+          <p:cNvPr id="8" name="TextBox 7"/>
+          <p:cNvSpPr txBox="1"/>
+          <p:nvPr/>
+        </p:nvSpPr>
+        <p:spPr>
+          <a:xfrm>
+            <a:off x="685800" y="2514600"/>
+            <a:ext cx="5577840" cy="4297680"/>
           </a:xfrm>
           <a:prstGeom prst="rect">
             <a:avLst/>
@@ -4631,7 +4917,7 @@
               </a:defRPr>
             </a:pPr>
             <a:r>
-              <a:t>Provision VM</a:t>
+              <a:t>VMs</a:t>
             </a:r>
           </a:p>
           <a:p>
@@ -4644,7 +4930,7 @@
               </a:defRPr>
             </a:pPr>
             <a:r>
-              <a:t>SSH into it</a:t>
+              <a:t>IP addresses</a:t>
             </a:r>
           </a:p>
           <a:p>
@@ -4657,7 +4943,7 @@
               </a:defRPr>
             </a:pPr>
             <a:r>
-              <a:t>Install + configure</a:t>
+              <a:t>Security groups</a:t>
             </a:r>
           </a:p>
           <a:p>
@@ -4670,7 +4956,7 @@
               </a:defRPr>
             </a:pPr>
             <a:r>
-              <a:t>Start services</a:t>
+              <a:t>SSH access</a:t>
             </a:r>
           </a:p>
           <a:p>
@@ -4683,32 +4969,118 @@
               </a:defRPr>
             </a:pPr>
             <a:r>
-              <a:t>Debug on the machine</a:t>
-            </a:r>
-          </a:p>
-        </p:txBody>
-      </p:sp>
-      <p:sp>
-        <p:nvSpPr>
-          <p:cNvPr id="7" name="Rounded Rectangle 6"/>
+              <a:t>Server configuration</a:t>
+            </a:r>
+          </a:p>
+        </p:txBody>
+      </p:sp>
+      <p:sp>
+        <p:nvSpPr>
+          <p:cNvPr id="9" name="TextBox 8"/>
+          <p:cNvSpPr txBox="1"/>
+          <p:nvPr/>
+        </p:nvSpPr>
+        <p:spPr>
+          <a:xfrm>
+            <a:off x="6675120" y="2514600"/>
+            <a:ext cx="5577840" cy="4297680"/>
+          </a:xfrm>
+          <a:prstGeom prst="rect">
+            <a:avLst/>
+          </a:prstGeom>
+          <a:noFill/>
+        </p:spPr>
+        <p:txBody>
+          <a:bodyPr wrap="square">
+            <a:spAutoFit/>
+          </a:bodyPr>
+          <a:lstStyle/>
+          <a:p>
+            <a:pPr>
+              <a:defRPr sz="2600">
+                <a:solidFill>
+                  <a:srgbClr val="1F2933"/>
+                </a:solidFill>
+                <a:latin typeface="Calibri"/>
+              </a:defRPr>
+            </a:pPr>
+            <a:r>
+              <a:t>Pods</a:t>
+            </a:r>
+          </a:p>
+          <a:p>
+            <a:pPr>
+              <a:defRPr sz="2600">
+                <a:solidFill>
+                  <a:srgbClr val="1F2933"/>
+                </a:solidFill>
+                <a:latin typeface="Calibri"/>
+              </a:defRPr>
+            </a:pPr>
+            <a:r>
+              <a:t>Deployments</a:t>
+            </a:r>
+          </a:p>
+          <a:p>
+            <a:pPr>
+              <a:defRPr sz="2600">
+                <a:solidFill>
+                  <a:srgbClr val="1F2933"/>
+                </a:solidFill>
+                <a:latin typeface="Calibri"/>
+              </a:defRPr>
+            </a:pPr>
+            <a:r>
+              <a:t>Services</a:t>
+            </a:r>
+          </a:p>
+          <a:p>
+            <a:pPr>
+              <a:defRPr sz="2600">
+                <a:solidFill>
+                  <a:srgbClr val="1F2933"/>
+                </a:solidFill>
+                <a:latin typeface="Calibri"/>
+              </a:defRPr>
+            </a:pPr>
+            <a:r>
+              <a:t>Ingress</a:t>
+            </a:r>
+          </a:p>
+          <a:p>
+            <a:pPr>
+              <a:defRPr sz="2600">
+                <a:solidFill>
+                  <a:srgbClr val="1F2933"/>
+                </a:solidFill>
+                <a:latin typeface="Calibri"/>
+              </a:defRPr>
+            </a:pPr>
+            <a:r>
+              <a:t>Desired state</a:t>
+            </a:r>
+          </a:p>
+        </p:txBody>
+      </p:sp>
+      <p:sp>
+        <p:nvSpPr>
+          <p:cNvPr id="10" name="Rectangle 9"/>
           <p:cNvSpPr/>
           <p:nvPr/>
         </p:nvSpPr>
         <p:spPr>
-          <a:xfrm>
-            <a:off x="868680" y="5760720"/>
-            <a:ext cx="10789920" cy="548640"/>
-          </a:xfrm>
-          <a:prstGeom prst="roundRect">
+          <a:xfrm flipH="1">
+            <a:off x="4720305" y="1317812"/>
+            <a:ext cx="66847" cy="4429192"/>
+          </a:xfrm>
+          <a:prstGeom prst="rect">
             <a:avLst/>
           </a:prstGeom>
           <a:solidFill>
-            <a:srgbClr val="F3F4F6"/>
+            <a:srgbClr val="E5E7EB"/>
           </a:solidFill>
-          <a:ln w="19050">
-            <a:solidFill>
-              <a:srgbClr val="1F4E79"/>
-            </a:solidFill>
+          <a:ln>
+            <a:noFill/>
           </a:ln>
         </p:spPr>
         <p:style>
@@ -4729,15 +5101,42 @@
           <a:bodyPr rtlCol="0" anchor="ctr"/>
           <a:lstStyle/>
           <a:p>
+            <a:pPr algn="ctr"/>
+            <a:endParaRPr/>
+          </a:p>
+        </p:txBody>
+      </p:sp>
+      <p:sp>
+        <p:nvSpPr>
+          <p:cNvPr id="11" name="TextBox 10"/>
+          <p:cNvSpPr txBox="1"/>
+          <p:nvPr/>
+        </p:nvSpPr>
+        <p:spPr>
+          <a:xfrm>
+            <a:off x="1587500" y="5792724"/>
+            <a:ext cx="10972800" cy="548640"/>
+          </a:xfrm>
+          <a:prstGeom prst="rect">
+            <a:avLst/>
+          </a:prstGeom>
+          <a:noFill/>
+        </p:spPr>
+        <p:txBody>
+          <a:bodyPr wrap="none">
+            <a:spAutoFit/>
+          </a:bodyPr>
+          <a:lstStyle/>
+          <a:p>
             <a:pPr algn="l"/>
             <a:r>
-              <a:rPr sz="1800" b="1">
+              <a:rPr sz="2400" b="1" dirty="0">
                 <a:solidFill>
                   <a:srgbClr val="1F4E79"/>
                 </a:solidFill>
                 <a:latin typeface="Calibri"/>
               </a:rPr>
-              <a:t>Pets: patch, care, nurse back to health</a:t>
+              <a:t>Stop managing servers → Start declaring outcomes</a:t>
             </a:r>
           </a:p>
         </p:txBody>
@@ -4751,7 +5150,7 @@
 </file>
 
 <file path=ppt/slides/slide5.xml><?xml version="1.0" encoding="utf-8"?>
-<p:sld xmlns:a="http://schemas.openxmlformats.org/drawingml/2006/main" xmlns:p="http://schemas.openxmlformats.org/presentationml/2006/main" xmlns:r="http://schemas.openxmlformats.org/officeDocument/2006/relationships">
+<p:sld xmlns:a="http://schemas.openxmlformats.org/drawingml/2006/main" xmlns:r="http://schemas.openxmlformats.org/officeDocument/2006/relationships" xmlns:p="http://schemas.openxmlformats.org/presentationml/2006/main">
   <p:cSld>
     <p:spTree>
       <p:nvGrpSpPr>
@@ -4759,7 +5158,14 @@
         <p:cNvGrpSpPr/>
         <p:nvPr/>
       </p:nvGrpSpPr>
-      <p:grpSpPr/>
+      <p:grpSpPr>
+        <a:xfrm>
+          <a:off x="0" y="0"/>
+          <a:ext cx="0" cy="0"/>
+          <a:chOff x="0" y="0"/>
+          <a:chExt cx="0" cy="0"/>
+        </a:xfrm>
+      </p:grpSpPr>
       <p:sp>
         <p:nvSpPr>
           <p:cNvPr id="2" name="Rectangle 1"/>
@@ -4800,6 +5206,7 @@
           <a:lstStyle/>
           <a:p>
             <a:pPr algn="ctr"/>
+            <a:endParaRPr/>
           </a:p>
         </p:txBody>
       </p:sp>
@@ -4843,6 +5250,7 @@
           <a:lstStyle/>
           <a:p>
             <a:pPr algn="ctr"/>
+            <a:endParaRPr/>
           </a:p>
         </p:txBody>
       </p:sp>
@@ -4870,7 +5278,7 @@
           <a:p>
             <a:pPr algn="r"/>
             <a:r>
-              <a:rPr sz="1400">
+              <a:rPr sz="1400" dirty="0">
                 <a:solidFill>
                   <a:srgbClr val="6B7280"/>
                 </a:solidFill>
@@ -4911,7 +5319,7 @@
                 </a:solidFill>
                 <a:latin typeface="Calibri"/>
               </a:rPr>
-              <a:t>Kubernetes mindset: “The cluster owns everything”</a:t>
+              <a:t>OpenStack mindset: “I own this server”</a:t>
             </a:r>
           </a:p>
         </p:txBody>
@@ -4947,7 +5355,7 @@
               </a:defRPr>
             </a:pPr>
             <a:r>
-              <a:t>Define Deployment YAML / Helm</a:t>
+              <a:t>Provision VM</a:t>
             </a:r>
           </a:p>
           <a:p>
@@ -4960,7 +5368,7 @@
               </a:defRPr>
             </a:pPr>
             <a:r>
-              <a:t>Set image + replicas + resources</a:t>
+              <a:t>SSH into it</a:t>
             </a:r>
           </a:p>
           <a:p>
@@ -4973,7 +5381,7 @@
               </a:defRPr>
             </a:pPr>
             <a:r>
-              <a:t>Push to Git</a:t>
+              <a:t>Install + configure</a:t>
             </a:r>
           </a:p>
           <a:p>
@@ -4986,7 +5394,7 @@
               </a:defRPr>
             </a:pPr>
             <a:r>
-              <a:t>Cluster reconciles desired state</a:t>
+              <a:t>Start services</a:t>
             </a:r>
           </a:p>
           <a:p>
@@ -4999,7 +5407,7 @@
               </a:defRPr>
             </a:pPr>
             <a:r>
-              <a:t>Pods self-heal automatically</a:t>
+              <a:t>Debug on the machine</a:t>
             </a:r>
           </a:p>
         </p:txBody>
@@ -5053,7 +5461,7 @@
                 </a:solidFill>
                 <a:latin typeface="Calibri"/>
               </a:rPr>
-              <a:t>No SSH into pods. Fix by changing spec or image, then redeploy state.</a:t>
+              <a:t>Pets: patch, care, nurse back to health</a:t>
             </a:r>
           </a:p>
         </p:txBody>
@@ -5067,7 +5475,7 @@
 </file>
 
 <file path=ppt/slides/slide6.xml><?xml version="1.0" encoding="utf-8"?>
-<p:sld xmlns:a="http://schemas.openxmlformats.org/drawingml/2006/main" xmlns:p="http://schemas.openxmlformats.org/presentationml/2006/main" xmlns:r="http://schemas.openxmlformats.org/officeDocument/2006/relationships">
+<p:sld xmlns:a="http://schemas.openxmlformats.org/drawingml/2006/main" xmlns:r="http://schemas.openxmlformats.org/officeDocument/2006/relationships" xmlns:p="http://schemas.openxmlformats.org/presentationml/2006/main">
   <p:cSld>
     <p:spTree>
       <p:nvGrpSpPr>
@@ -5075,7 +5483,14 @@
         <p:cNvGrpSpPr/>
         <p:nvPr/>
       </p:nvGrpSpPr>
-      <p:grpSpPr/>
+      <p:grpSpPr>
+        <a:xfrm>
+          <a:off x="0" y="0"/>
+          <a:ext cx="0" cy="0"/>
+          <a:chOff x="0" y="0"/>
+          <a:chExt cx="0" cy="0"/>
+        </a:xfrm>
+      </p:grpSpPr>
       <p:sp>
         <p:nvSpPr>
           <p:cNvPr id="2" name="Rectangle 1"/>
@@ -5116,6 +5531,7 @@
           <a:lstStyle/>
           <a:p>
             <a:pPr algn="ctr"/>
+            <a:endParaRPr/>
           </a:p>
         </p:txBody>
       </p:sp>
@@ -5159,6 +5575,7 @@
           <a:lstStyle/>
           <a:p>
             <a:pPr algn="ctr"/>
+            <a:endParaRPr/>
           </a:p>
         </p:txBody>
       </p:sp>
@@ -5227,7 +5644,7 @@
                 </a:solidFill>
                 <a:latin typeface="Calibri"/>
               </a:rPr>
-              <a:t>Imperative actions vs. declarative intent</a:t>
+              <a:t>Kubernetes mindset: “The cluster owns everything”</a:t>
             </a:r>
           </a:p>
         </p:txBody>
@@ -5240,76 +5657,8 @@
         </p:nvSpPr>
         <p:spPr>
           <a:xfrm>
-            <a:off x="685800" y="1965960"/>
-            <a:ext cx="5577840" cy="457200"/>
-          </a:xfrm>
-          <a:prstGeom prst="rect">
-            <a:avLst/>
-          </a:prstGeom>
-          <a:noFill/>
-        </p:spPr>
-        <p:txBody>
-          <a:bodyPr wrap="none">
-            <a:spAutoFit/>
-          </a:bodyPr>
-          <a:lstStyle/>
-          <a:p>
-            <a:r>
-              <a:rPr sz="2200" b="1">
-                <a:solidFill>
-                  <a:srgbClr val="1F4E79"/>
-                </a:solidFill>
-                <a:latin typeface="Calibri"/>
-              </a:rPr>
-              <a:t>OpenStack (imperative)</a:t>
-            </a:r>
-          </a:p>
-        </p:txBody>
-      </p:sp>
-      <p:sp>
-        <p:nvSpPr>
-          <p:cNvPr id="7" name="TextBox 6"/>
-          <p:cNvSpPr txBox="1"/>
-          <p:nvPr/>
-        </p:nvSpPr>
-        <p:spPr>
-          <a:xfrm>
-            <a:off x="6675120" y="1965960"/>
-            <a:ext cx="5577840" cy="457200"/>
-          </a:xfrm>
-          <a:prstGeom prst="rect">
-            <a:avLst/>
-          </a:prstGeom>
-          <a:noFill/>
-        </p:spPr>
-        <p:txBody>
-          <a:bodyPr wrap="none">
-            <a:spAutoFit/>
-          </a:bodyPr>
-          <a:lstStyle/>
-          <a:p>
-            <a:r>
-              <a:rPr sz="2200" b="1">
-                <a:solidFill>
-                  <a:srgbClr val="1F4E79"/>
-                </a:solidFill>
-                <a:latin typeface="Calibri"/>
-              </a:rPr>
-              <a:t>Kubernetes (declarative)</a:t>
-            </a:r>
-          </a:p>
-        </p:txBody>
-      </p:sp>
-      <p:sp>
-        <p:nvSpPr>
-          <p:cNvPr id="8" name="TextBox 7"/>
-          <p:cNvSpPr txBox="1"/>
-          <p:nvPr/>
-        </p:nvSpPr>
-        <p:spPr>
-          <a:xfrm>
-            <a:off x="685800" y="2514600"/>
-            <a:ext cx="5577840" cy="4297680"/>
+            <a:off x="868680" y="1965960"/>
+            <a:ext cx="10789920" cy="4206240"/>
           </a:xfrm>
           <a:prstGeom prst="rect">
             <a:avLst/>
@@ -5331,7 +5680,7 @@
               </a:defRPr>
             </a:pPr>
             <a:r>
-              <a:t>“Run this playbook”</a:t>
+              <a:t>Define Deployment YAML / Helm</a:t>
             </a:r>
           </a:p>
           <a:p>
@@ -5344,7 +5693,7 @@
               </a:defRPr>
             </a:pPr>
             <a:r>
-              <a:t>“Create this instance”</a:t>
+              <a:t>Set image + replicas + resources</a:t>
             </a:r>
           </a:p>
           <a:p>
@@ -5357,32 +5706,9 @@
               </a:defRPr>
             </a:pPr>
             <a:r>
-              <a:t>“Restart this service”</a:t>
-            </a:r>
-          </a:p>
-        </p:txBody>
-      </p:sp>
-      <p:sp>
-        <p:nvSpPr>
-          <p:cNvPr id="9" name="TextBox 8"/>
-          <p:cNvSpPr txBox="1"/>
-          <p:nvPr/>
-        </p:nvSpPr>
-        <p:spPr>
-          <a:xfrm>
-            <a:off x="6675120" y="2514600"/>
-            <a:ext cx="5577840" cy="4297680"/>
-          </a:xfrm>
-          <a:prstGeom prst="rect">
-            <a:avLst/>
-          </a:prstGeom>
-          <a:noFill/>
-        </p:spPr>
-        <p:txBody>
-          <a:bodyPr wrap="square">
-            <a:spAutoFit/>
-          </a:bodyPr>
-          <a:lstStyle/>
+              <a:t>Push to Git</a:t>
+            </a:r>
+          </a:p>
           <a:p>
             <a:pPr>
               <a:defRPr sz="2600">
@@ -5393,7 +5719,7 @@
               </a:defRPr>
             </a:pPr>
             <a:r>
-              <a:t>“This is what I want”</a:t>
+              <a:t>Cluster reconciles desired state</a:t>
             </a:r>
           </a:p>
           <a:p>
@@ -5406,43 +5732,32 @@
               </a:defRPr>
             </a:pPr>
             <a:r>
-              <a:t>“Always keep 3 replicas”</a:t>
-            </a:r>
-          </a:p>
-          <a:p>
-            <a:pPr>
-              <a:defRPr sz="2600">
-                <a:solidFill>
-                  <a:srgbClr val="1F2933"/>
-                </a:solidFill>
-                <a:latin typeface="Calibri"/>
-              </a:defRPr>
-            </a:pPr>
-            <a:r>
-              <a:t>“If it dies, recreate it”</a:t>
-            </a:r>
-          </a:p>
-        </p:txBody>
-      </p:sp>
-      <p:sp>
-        <p:nvSpPr>
-          <p:cNvPr id="10" name="Rectangle 9"/>
+              <a:t>Pods self-heal automatically</a:t>
+            </a:r>
+          </a:p>
+        </p:txBody>
+      </p:sp>
+      <p:sp>
+        <p:nvSpPr>
+          <p:cNvPr id="7" name="Rounded Rectangle 6"/>
           <p:cNvSpPr/>
           <p:nvPr/>
         </p:nvSpPr>
         <p:spPr>
           <a:xfrm>
-            <a:off x="6469379" y="2468880"/>
-            <a:ext cx="27432" cy="4754880"/>
-          </a:xfrm>
-          <a:prstGeom prst="rect">
+            <a:off x="868680" y="5760720"/>
+            <a:ext cx="10789920" cy="548640"/>
+          </a:xfrm>
+          <a:prstGeom prst="roundRect">
             <a:avLst/>
           </a:prstGeom>
           <a:solidFill>
-            <a:srgbClr val="E5E7EB"/>
+            <a:srgbClr val="F3F4F6"/>
           </a:solidFill>
-          <a:ln>
-            <a:noFill/>
+          <a:ln w="19050">
+            <a:solidFill>
+              <a:srgbClr val="1F4E79"/>
+            </a:solidFill>
           </a:ln>
         </p:spPr>
         <p:style>
@@ -5463,41 +5778,15 @@
           <a:bodyPr rtlCol="0" anchor="ctr"/>
           <a:lstStyle/>
           <a:p>
-            <a:pPr algn="ctr"/>
-          </a:p>
-        </p:txBody>
-      </p:sp>
-      <p:sp>
-        <p:nvSpPr>
-          <p:cNvPr id="11" name="TextBox 10"/>
-          <p:cNvSpPr txBox="1"/>
-          <p:nvPr/>
-        </p:nvSpPr>
-        <p:spPr>
-          <a:xfrm>
-            <a:off x="685800" y="5989320"/>
-            <a:ext cx="10972800" cy="548640"/>
-          </a:xfrm>
-          <a:prstGeom prst="rect">
-            <a:avLst/>
-          </a:prstGeom>
-          <a:noFill/>
-        </p:spPr>
-        <p:txBody>
-          <a:bodyPr wrap="none">
-            <a:spAutoFit/>
-          </a:bodyPr>
-          <a:lstStyle/>
-          <a:p>
             <a:pPr algn="l"/>
             <a:r>
-              <a:rPr sz="2400" b="1">
+              <a:rPr sz="1800" b="1">
                 <a:solidFill>
                   <a:srgbClr val="1F4E79"/>
                 </a:solidFill>
                 <a:latin typeface="Calibri"/>
               </a:rPr>
-              <a:t>Kubernetes is a continuous reconciliation system</a:t>
+              <a:t>No SSH into pods. Fix by changing spec or image, then redeploy state.</a:t>
             </a:r>
           </a:p>
         </p:txBody>
@@ -5511,7 +5800,7 @@
 </file>
 
 <file path=ppt/slides/slide7.xml><?xml version="1.0" encoding="utf-8"?>
-<p:sld xmlns:a="http://schemas.openxmlformats.org/drawingml/2006/main" xmlns:p="http://schemas.openxmlformats.org/presentationml/2006/main" xmlns:r="http://schemas.openxmlformats.org/officeDocument/2006/relationships">
+<p:sld xmlns:a="http://schemas.openxmlformats.org/drawingml/2006/main" xmlns:r="http://schemas.openxmlformats.org/officeDocument/2006/relationships" xmlns:p="http://schemas.openxmlformats.org/presentationml/2006/main">
   <p:cSld>
     <p:spTree>
       <p:nvGrpSpPr>
@@ -5519,7 +5808,14 @@
         <p:cNvGrpSpPr/>
         <p:nvPr/>
       </p:nvGrpSpPr>
-      <p:grpSpPr/>
+      <p:grpSpPr>
+        <a:xfrm>
+          <a:off x="0" y="0"/>
+          <a:ext cx="0" cy="0"/>
+          <a:chOff x="0" y="0"/>
+          <a:chExt cx="0" cy="0"/>
+        </a:xfrm>
+      </p:grpSpPr>
       <p:sp>
         <p:nvSpPr>
           <p:cNvPr id="2" name="Rectangle 1"/>
@@ -5560,6 +5856,7 @@
           <a:lstStyle/>
           <a:p>
             <a:pPr algn="ctr"/>
+            <a:endParaRPr/>
           </a:p>
         </p:txBody>
       </p:sp>
@@ -5603,6 +5900,7 @@
           <a:lstStyle/>
           <a:p>
             <a:pPr algn="ctr"/>
+            <a:endParaRPr/>
           </a:p>
         </p:txBody>
       </p:sp>
@@ -5671,7 +5969,7 @@
                 </a:solidFill>
                 <a:latin typeface="Calibri"/>
               </a:rPr>
-              <a:t>Drift is replaced by immutability</a:t>
+              <a:t>Imperative actions vs. declarative intent</a:t>
             </a:r>
           </a:p>
         </p:txBody>
@@ -5684,8 +5982,76 @@
         </p:nvSpPr>
         <p:spPr>
           <a:xfrm>
-            <a:off x="868680" y="1965960"/>
-            <a:ext cx="10789920" cy="4206240"/>
+            <a:off x="685800" y="1965960"/>
+            <a:ext cx="5577840" cy="457200"/>
+          </a:xfrm>
+          <a:prstGeom prst="rect">
+            <a:avLst/>
+          </a:prstGeom>
+          <a:noFill/>
+        </p:spPr>
+        <p:txBody>
+          <a:bodyPr wrap="none">
+            <a:spAutoFit/>
+          </a:bodyPr>
+          <a:lstStyle/>
+          <a:p>
+            <a:r>
+              <a:rPr sz="2200" b="1">
+                <a:solidFill>
+                  <a:srgbClr val="1F4E79"/>
+                </a:solidFill>
+                <a:latin typeface="Calibri"/>
+              </a:rPr>
+              <a:t>OpenStack (imperative)</a:t>
+            </a:r>
+          </a:p>
+        </p:txBody>
+      </p:sp>
+      <p:sp>
+        <p:nvSpPr>
+          <p:cNvPr id="7" name="TextBox 6"/>
+          <p:cNvSpPr txBox="1"/>
+          <p:nvPr/>
+        </p:nvSpPr>
+        <p:spPr>
+          <a:xfrm>
+            <a:off x="6675120" y="1965960"/>
+            <a:ext cx="5577840" cy="457200"/>
+          </a:xfrm>
+          <a:prstGeom prst="rect">
+            <a:avLst/>
+          </a:prstGeom>
+          <a:noFill/>
+        </p:spPr>
+        <p:txBody>
+          <a:bodyPr wrap="none">
+            <a:spAutoFit/>
+          </a:bodyPr>
+          <a:lstStyle/>
+          <a:p>
+            <a:r>
+              <a:rPr sz="2200" b="1">
+                <a:solidFill>
+                  <a:srgbClr val="1F4E79"/>
+                </a:solidFill>
+                <a:latin typeface="Calibri"/>
+              </a:rPr>
+              <a:t>Kubernetes (declarative)</a:t>
+            </a:r>
+          </a:p>
+        </p:txBody>
+      </p:sp>
+      <p:sp>
+        <p:nvSpPr>
+          <p:cNvPr id="8" name="TextBox 7"/>
+          <p:cNvSpPr txBox="1"/>
+          <p:nvPr/>
+        </p:nvSpPr>
+        <p:spPr>
+          <a:xfrm>
+            <a:off x="685800" y="2514600"/>
+            <a:ext cx="5577840" cy="4297680"/>
           </a:xfrm>
           <a:prstGeom prst="rect">
             <a:avLst/>
@@ -5707,7 +6073,7 @@
               </a:defRPr>
             </a:pPr>
             <a:r>
-              <a:t>OpenStack: configure at runtime (drift risk)</a:t>
+              <a:t>“Run this playbook”</a:t>
             </a:r>
           </a:p>
           <a:p>
@@ -5720,7 +6086,7 @@
               </a:defRPr>
             </a:pPr>
             <a:r>
-              <a:t>Kubernetes: immutable images (build once)</a:t>
+              <a:t>“Create this instance”</a:t>
             </a:r>
           </a:p>
           <a:p>
@@ -5733,9 +6099,32 @@
               </a:defRPr>
             </a:pPr>
             <a:r>
-              <a:t>Minimal runtime configuration</a:t>
-            </a:r>
-          </a:p>
+              <a:t>“Restart this service”</a:t>
+            </a:r>
+          </a:p>
+        </p:txBody>
+      </p:sp>
+      <p:sp>
+        <p:nvSpPr>
+          <p:cNvPr id="9" name="TextBox 8"/>
+          <p:cNvSpPr txBox="1"/>
+          <p:nvPr/>
+        </p:nvSpPr>
+        <p:spPr>
+          <a:xfrm>
+            <a:off x="6675120" y="2514600"/>
+            <a:ext cx="5577840" cy="4297680"/>
+          </a:xfrm>
+          <a:prstGeom prst="rect">
+            <a:avLst/>
+          </a:prstGeom>
+          <a:noFill/>
+        </p:spPr>
+        <p:txBody>
+          <a:bodyPr wrap="square">
+            <a:spAutoFit/>
+          </a:bodyPr>
+          <a:lstStyle/>
           <a:p>
             <a:pPr>
               <a:defRPr sz="2600">
@@ -5746,32 +6135,56 @@
               </a:defRPr>
             </a:pPr>
             <a:r>
-              <a:t>Versioned deployments + rollbacks</a:t>
-            </a:r>
-          </a:p>
-        </p:txBody>
-      </p:sp>
-      <p:sp>
-        <p:nvSpPr>
-          <p:cNvPr id="7" name="Rounded Rectangle 6"/>
+              <a:t>“This is what I want”</a:t>
+            </a:r>
+          </a:p>
+          <a:p>
+            <a:pPr>
+              <a:defRPr sz="2600">
+                <a:solidFill>
+                  <a:srgbClr val="1F2933"/>
+                </a:solidFill>
+                <a:latin typeface="Calibri"/>
+              </a:defRPr>
+            </a:pPr>
+            <a:r>
+              <a:t>“Always keep 3 replicas”</a:t>
+            </a:r>
+          </a:p>
+          <a:p>
+            <a:pPr>
+              <a:defRPr sz="2600">
+                <a:solidFill>
+                  <a:srgbClr val="1F2933"/>
+                </a:solidFill>
+                <a:latin typeface="Calibri"/>
+              </a:defRPr>
+            </a:pPr>
+            <a:r>
+              <a:t>“If it dies, recreate it”</a:t>
+            </a:r>
+          </a:p>
+        </p:txBody>
+      </p:sp>
+      <p:sp>
+        <p:nvSpPr>
+          <p:cNvPr id="10" name="Rectangle 9"/>
           <p:cNvSpPr/>
           <p:nvPr/>
         </p:nvSpPr>
         <p:spPr>
           <a:xfrm>
-            <a:off x="868680" y="5760720"/>
-            <a:ext cx="10789920" cy="548640"/>
-          </a:xfrm>
-          <a:prstGeom prst="roundRect">
+            <a:off x="5516881" y="1371600"/>
+            <a:ext cx="27432" cy="4754880"/>
+          </a:xfrm>
+          <a:prstGeom prst="rect">
             <a:avLst/>
           </a:prstGeom>
           <a:solidFill>
-            <a:srgbClr val="F3F4F6"/>
+            <a:srgbClr val="E5E7EB"/>
           </a:solidFill>
-          <a:ln w="19050">
-            <a:solidFill>
-              <a:srgbClr val="1F4E79"/>
-            </a:solidFill>
+          <a:ln>
+            <a:noFill/>
           </a:ln>
         </p:spPr>
         <p:style>
@@ -5792,15 +6205,42 @@
           <a:bodyPr rtlCol="0" anchor="ctr"/>
           <a:lstStyle/>
           <a:p>
+            <a:pPr algn="ctr"/>
+            <a:endParaRPr/>
+          </a:p>
+        </p:txBody>
+      </p:sp>
+      <p:sp>
+        <p:nvSpPr>
+          <p:cNvPr id="11" name="TextBox 10"/>
+          <p:cNvSpPr txBox="1"/>
+          <p:nvPr/>
+        </p:nvSpPr>
+        <p:spPr>
+          <a:xfrm>
+            <a:off x="685800" y="5989320"/>
+            <a:ext cx="10972800" cy="548640"/>
+          </a:xfrm>
+          <a:prstGeom prst="rect">
+            <a:avLst/>
+          </a:prstGeom>
+          <a:noFill/>
+        </p:spPr>
+        <p:txBody>
+          <a:bodyPr wrap="none">
+            <a:spAutoFit/>
+          </a:bodyPr>
+          <a:lstStyle/>
+          <a:p>
             <a:pPr algn="l"/>
             <a:r>
-              <a:rPr sz="1800" b="1">
+              <a:rPr sz="2400" b="1">
                 <a:solidFill>
                   <a:srgbClr val="1F4E79"/>
                 </a:solidFill>
                 <a:latin typeface="Calibri"/>
               </a:rPr>
-              <a:t>Enterprise win: repeatable artifacts, safer rollouts, cleaner audits.</a:t>
+              <a:t>Kubernetes is a continuous reconciliation system</a:t>
             </a:r>
           </a:p>
         </p:txBody>
@@ -5814,7 +6254,7 @@
 </file>
 
 <file path=ppt/slides/slide8.xml><?xml version="1.0" encoding="utf-8"?>
-<p:sld xmlns:a="http://schemas.openxmlformats.org/drawingml/2006/main" xmlns:p="http://schemas.openxmlformats.org/presentationml/2006/main" xmlns:r="http://schemas.openxmlformats.org/officeDocument/2006/relationships">
+<p:sld xmlns:a="http://schemas.openxmlformats.org/drawingml/2006/main" xmlns:r="http://schemas.openxmlformats.org/officeDocument/2006/relationships" xmlns:p="http://schemas.openxmlformats.org/presentationml/2006/main">
   <p:cSld>
     <p:spTree>
       <p:nvGrpSpPr>
@@ -5822,7 +6262,14 @@
         <p:cNvGrpSpPr/>
         <p:nvPr/>
       </p:nvGrpSpPr>
-      <p:grpSpPr/>
+      <p:grpSpPr>
+        <a:xfrm>
+          <a:off x="0" y="0"/>
+          <a:ext cx="0" cy="0"/>
+          <a:chOff x="0" y="0"/>
+          <a:chExt cx="0" cy="0"/>
+        </a:xfrm>
+      </p:grpSpPr>
       <p:sp>
         <p:nvSpPr>
           <p:cNvPr id="2" name="Rectangle 1"/>
@@ -5863,6 +6310,7 @@
           <a:lstStyle/>
           <a:p>
             <a:pPr algn="ctr"/>
+            <a:endParaRPr/>
           </a:p>
         </p:txBody>
       </p:sp>
@@ -5906,6 +6354,7 @@
           <a:lstStyle/>
           <a:p>
             <a:pPr algn="ctr"/>
+            <a:endParaRPr/>
           </a:p>
         </p:txBody>
       </p:sp>
@@ -5974,7 +6423,7 @@
                 </a:solidFill>
                 <a:latin typeface="Calibri"/>
               </a:rPr>
-              <a:t>GitOps: change control becomes deployment control</a:t>
+              <a:t>Drift is replaced by immutability</a:t>
             </a:r>
           </a:p>
         </p:txBody>
@@ -6010,7 +6459,7 @@
               </a:defRPr>
             </a:pPr>
             <a:r>
-              <a:t>Git = source of truth</a:t>
+              <a:t>OpenStack: configure at runtime (drift risk)</a:t>
             </a:r>
           </a:p>
           <a:p>
@@ -6023,7 +6472,7 @@
               </a:defRPr>
             </a:pPr>
             <a:r>
-              <a:t>PR merge = deployment</a:t>
+              <a:t>Kubernetes: immutable images (build once)</a:t>
             </a:r>
           </a:p>
           <a:p>
@@ -6036,7 +6485,7 @@
               </a:defRPr>
             </a:pPr>
             <a:r>
-              <a:t>Drift auto-corrected</a:t>
+              <a:t>Minimal runtime configuration</a:t>
             </a:r>
           </a:p>
           <a:p>
@@ -6049,7 +6498,7 @@
               </a:defRPr>
             </a:pPr>
             <a:r>
-              <a:t>Rollback = revert commit</a:t>
+              <a:t>Versioned deployments + rollbacks</a:t>
             </a:r>
           </a:p>
         </p:txBody>
@@ -6103,7 +6552,7 @@
                 </a:solidFill>
                 <a:latin typeface="Calibri"/>
               </a:rPr>
-              <a:t>Operate the platform via pull requests—not by logging into environments.</a:t>
+              <a:t>Enterprise win: repeatable artifacts, safer rollouts, cleaner audits.</a:t>
             </a:r>
           </a:p>
         </p:txBody>
@@ -6117,7 +6566,7 @@
 </file>
 
 <file path=ppt/slides/slide9.xml><?xml version="1.0" encoding="utf-8"?>
-<p:sld xmlns:a="http://schemas.openxmlformats.org/drawingml/2006/main" xmlns:p="http://schemas.openxmlformats.org/presentationml/2006/main" xmlns:r="http://schemas.openxmlformats.org/officeDocument/2006/relationships">
+<p:sld xmlns:a="http://schemas.openxmlformats.org/drawingml/2006/main" xmlns:r="http://schemas.openxmlformats.org/officeDocument/2006/relationships" xmlns:p="http://schemas.openxmlformats.org/presentationml/2006/main">
   <p:cSld>
     <p:spTree>
       <p:nvGrpSpPr>
@@ -6125,7 +6574,14 @@
         <p:cNvGrpSpPr/>
         <p:nvPr/>
       </p:nvGrpSpPr>
-      <p:grpSpPr/>
+      <p:grpSpPr>
+        <a:xfrm>
+          <a:off x="0" y="0"/>
+          <a:ext cx="0" cy="0"/>
+          <a:chOff x="0" y="0"/>
+          <a:chExt cx="0" cy="0"/>
+        </a:xfrm>
+      </p:grpSpPr>
       <p:sp>
         <p:nvSpPr>
           <p:cNvPr id="2" name="Rectangle 1"/>
@@ -6166,6 +6622,7 @@
           <a:lstStyle/>
           <a:p>
             <a:pPr algn="ctr"/>
+            <a:endParaRPr/>
           </a:p>
         </p:txBody>
       </p:sp>
@@ -6209,6 +6666,7 @@
           <a:lstStyle/>
           <a:p>
             <a:pPr algn="ctr"/>
+            <a:endParaRPr/>
           </a:p>
         </p:txBody>
       </p:sp>
@@ -6277,7 +6735,7 @@
                 </a:solidFill>
                 <a:latin typeface="Calibri"/>
               </a:rPr>
-              <a:t>Networking becomes service-oriented</a:t>
+              <a:t>GitOps: change control becomes deployment control</a:t>
             </a:r>
           </a:p>
         </p:txBody>
@@ -6290,76 +6748,8 @@
         </p:nvSpPr>
         <p:spPr>
           <a:xfrm>
-            <a:off x="685800" y="1965960"/>
-            <a:ext cx="5577840" cy="457200"/>
-          </a:xfrm>
-          <a:prstGeom prst="rect">
-            <a:avLst/>
-          </a:prstGeom>
-          <a:noFill/>
-        </p:spPr>
-        <p:txBody>
-          <a:bodyPr wrap="none">
-            <a:spAutoFit/>
-          </a:bodyPr>
-          <a:lstStyle/>
-          <a:p>
-            <a:r>
-              <a:rPr sz="2200" b="1">
-                <a:solidFill>
-                  <a:srgbClr val="1F4E79"/>
-                </a:solidFill>
-                <a:latin typeface="Calibri"/>
-              </a:rPr>
-              <a:t>OpenStack</a:t>
-            </a:r>
-          </a:p>
-        </p:txBody>
-      </p:sp>
-      <p:sp>
-        <p:nvSpPr>
-          <p:cNvPr id="7" name="TextBox 6"/>
-          <p:cNvSpPr txBox="1"/>
-          <p:nvPr/>
-        </p:nvSpPr>
-        <p:spPr>
-          <a:xfrm>
-            <a:off x="6675120" y="1965960"/>
-            <a:ext cx="5577840" cy="457200"/>
-          </a:xfrm>
-          <a:prstGeom prst="rect">
-            <a:avLst/>
-          </a:prstGeom>
-          <a:noFill/>
-        </p:spPr>
-        <p:txBody>
-          <a:bodyPr wrap="none">
-            <a:spAutoFit/>
-          </a:bodyPr>
-          <a:lstStyle/>
-          <a:p>
-            <a:r>
-              <a:rPr sz="2200" b="1">
-                <a:solidFill>
-                  <a:srgbClr val="1F4E79"/>
-                </a:solidFill>
-                <a:latin typeface="Calibri"/>
-              </a:rPr>
-              <a:t>Kubernetes</a:t>
-            </a:r>
-          </a:p>
-        </p:txBody>
-      </p:sp>
-      <p:sp>
-        <p:nvSpPr>
-          <p:cNvPr id="8" name="TextBox 7"/>
-          <p:cNvSpPr txBox="1"/>
-          <p:nvPr/>
-        </p:nvSpPr>
-        <p:spPr>
-          <a:xfrm>
-            <a:off x="685800" y="2514600"/>
-            <a:ext cx="5577840" cy="4297680"/>
+            <a:off x="868680" y="1965960"/>
+            <a:ext cx="10789920" cy="4206240"/>
           </a:xfrm>
           <a:prstGeom prst="rect">
             <a:avLst/>
@@ -6381,7 +6771,7 @@
               </a:defRPr>
             </a:pPr>
             <a:r>
-              <a:t>Security groups</a:t>
+              <a:t>Git = source of truth</a:t>
             </a:r>
           </a:p>
           <a:p>
@@ -6394,7 +6784,7 @@
               </a:defRPr>
             </a:pPr>
             <a:r>
-              <a:t>Floating IPs</a:t>
+              <a:t>PR merge = deployment</a:t>
             </a:r>
           </a:p>
           <a:p>
@@ -6407,32 +6797,9 @@
               </a:defRPr>
             </a:pPr>
             <a:r>
-              <a:t>Port mappings</a:t>
-            </a:r>
-          </a:p>
-        </p:txBody>
-      </p:sp>
-      <p:sp>
-        <p:nvSpPr>
-          <p:cNvPr id="9" name="TextBox 8"/>
-          <p:cNvSpPr txBox="1"/>
-          <p:nvPr/>
-        </p:nvSpPr>
-        <p:spPr>
-          <a:xfrm>
-            <a:off x="6675120" y="2514600"/>
-            <a:ext cx="5577840" cy="4297680"/>
-          </a:xfrm>
-          <a:prstGeom prst="rect">
-            <a:avLst/>
-          </a:prstGeom>
-          <a:noFill/>
-        </p:spPr>
-        <p:txBody>
-          <a:bodyPr wrap="square">
-            <a:spAutoFit/>
-          </a:bodyPr>
-          <a:lstStyle/>
+              <a:t>Drift auto-corrected</a:t>
+            </a:r>
+          </a:p>
           <a:p>
             <a:pPr>
               <a:defRPr sz="2600">
@@ -6443,56 +6810,32 @@
               </a:defRPr>
             </a:pPr>
             <a:r>
-              <a:t>Services</a:t>
-            </a:r>
-          </a:p>
-          <a:p>
-            <a:pPr>
-              <a:defRPr sz="2600">
-                <a:solidFill>
-                  <a:srgbClr val="1F2933"/>
-                </a:solidFill>
-                <a:latin typeface="Calibri"/>
-              </a:defRPr>
-            </a:pPr>
-            <a:r>
-              <a:t>Ingress controllers</a:t>
-            </a:r>
-          </a:p>
-          <a:p>
-            <a:pPr>
-              <a:defRPr sz="2600">
-                <a:solidFill>
-                  <a:srgbClr val="1F2933"/>
-                </a:solidFill>
-                <a:latin typeface="Calibri"/>
-              </a:defRPr>
-            </a:pPr>
-            <a:r>
-              <a:t>NetworkPolicies</a:t>
-            </a:r>
-          </a:p>
-        </p:txBody>
-      </p:sp>
-      <p:sp>
-        <p:nvSpPr>
-          <p:cNvPr id="10" name="Rectangle 9"/>
+              <a:t>Rollback = revert commit</a:t>
+            </a:r>
+          </a:p>
+        </p:txBody>
+      </p:sp>
+      <p:sp>
+        <p:nvSpPr>
+          <p:cNvPr id="7" name="Rounded Rectangle 6"/>
           <p:cNvSpPr/>
           <p:nvPr/>
         </p:nvSpPr>
         <p:spPr>
           <a:xfrm>
-            <a:off x="6469379" y="2468880"/>
-            <a:ext cx="27432" cy="4754880"/>
-          </a:xfrm>
-          <a:prstGeom prst="rect">
+            <a:off x="868680" y="5760720"/>
+            <a:ext cx="10789920" cy="548640"/>
+          </a:xfrm>
+          <a:prstGeom prst="roundRect">
             <a:avLst/>
           </a:prstGeom>
           <a:solidFill>
-            <a:srgbClr val="E5E7EB"/>
+            <a:srgbClr val="F3F4F6"/>
           </a:solidFill>
-          <a:ln>
-            <a:noFill/>
+          <a:ln w="19050">
+            <a:solidFill>
+              <a:srgbClr val="1F4E79"/>
+            </a:solidFill>
           </a:ln>
         </p:spPr>
         <p:style>
@@ -6513,41 +6856,15 @@
           <a:bodyPr rtlCol="0" anchor="ctr"/>
           <a:lstStyle/>
           <a:p>
-            <a:pPr algn="ctr"/>
-          </a:p>
-        </p:txBody>
-      </p:sp>
-      <p:sp>
-        <p:nvSpPr>
-          <p:cNvPr id="11" name="TextBox 10"/>
-          <p:cNvSpPr txBox="1"/>
-          <p:nvPr/>
-        </p:nvSpPr>
-        <p:spPr>
-          <a:xfrm>
-            <a:off x="685800" y="5989320"/>
-            <a:ext cx="10972800" cy="548640"/>
-          </a:xfrm>
-          <a:prstGeom prst="rect">
-            <a:avLst/>
-          </a:prstGeom>
-          <a:noFill/>
-        </p:spPr>
-        <p:txBody>
-          <a:bodyPr wrap="none">
-            <a:spAutoFit/>
-          </a:bodyPr>
-          <a:lstStyle/>
-          <a:p>
             <a:pPr algn="l"/>
             <a:r>
-              <a:rPr sz="2400" b="1">
+              <a:rPr sz="1800" b="1">
                 <a:solidFill>
                   <a:srgbClr val="1F4E79"/>
                 </a:solidFill>
                 <a:latin typeface="Calibri"/>
               </a:rPr>
-              <a:t>Shift: service identity + policy, not host perimeter</a:t>
+              <a:t>Operate the platform via pull requests—not by logging into environments.</a:t>
             </a:r>
           </a:p>
         </p:txBody>
